--- a/Apresentação - Day by Day.pptx
+++ b/Apresentação - Day by Day.pptx
@@ -6,6 +6,11 @@
   </p:sldMasterIdLst>
   <p:sldIdLst>
     <p:sldId id="256" r:id="rId2"/>
+    <p:sldId id="257" r:id="rId3"/>
+    <p:sldId id="258" r:id="rId4"/>
+    <p:sldId id="259" r:id="rId5"/>
+    <p:sldId id="260" r:id="rId6"/>
+    <p:sldId id="261" r:id="rId7"/>
   </p:sldIdLst>
   <p:sldSz cx="12192000" cy="6858000"/>
   <p:notesSz cx="6858000" cy="9144000"/>
@@ -104,26 +109,39 @@
       </a:defRPr>
     </a:lvl9pPr>
   </p:defaultTextStyle>
+  <p:extLst>
+    <p:ext uri="{EFAFB233-063F-42B5-8137-9DF3F51BA10A}">
+      <p15:sldGuideLst xmlns:p15="http://schemas.microsoft.com/office/powerpoint/2012/main"/>
+    </p:ext>
+  </p:extLst>
 </p:presentation>
+</file>
+
+<file path=ppt/revisionInfo.xml><?xml version="1.0" encoding="utf-8"?>
+<p1510:revInfo xmlns:a="http://schemas.openxmlformats.org/drawingml/2006/main" xmlns:r="http://schemas.openxmlformats.org/officeDocument/2006/relationships" xmlns:p1510="http://schemas.microsoft.com/office/powerpoint/2015/10/main">
+  <p1510:revLst>
+    <p1510:client id="{1740E17E-B010-4780-BE96-A3AC1BDCFF37}" v="6" dt="2023-06-05T11:28:41.463"/>
+  </p1510:revLst>
+</p1510:revInfo>
 </file>
 
 <file path=ppt/changesInfos/changesInfo1.xml><?xml version="1.0" encoding="utf-8"?>
 <pc:chgInfo xmlns:a="http://schemas.openxmlformats.org/drawingml/2006/main" xmlns:r="http://schemas.openxmlformats.org/officeDocument/2006/relationships" xmlns:ac="http://schemas.microsoft.com/office/drawing/2013/main/command" xmlns:pc="http://schemas.microsoft.com/office/powerpoint/2013/main/command">
   <pc:docChgLst>
     <pc:chgData name="Leo Paranhos" userId="8fe864889a13ae4f" providerId="LiveId" clId="{1740E17E-B010-4780-BE96-A3AC1BDCFF37}"/>
-    <pc:docChg chg="custSel addSld modSld">
-      <pc:chgData name="Leo Paranhos" userId="8fe864889a13ae4f" providerId="LiveId" clId="{1740E17E-B010-4780-BE96-A3AC1BDCFF37}" dt="2023-06-05T09:11:39.470" v="21" actId="1076"/>
+    <pc:docChg chg="undo custSel addSld modSld sldOrd">
+      <pc:chgData name="Leo Paranhos" userId="8fe864889a13ae4f" providerId="LiveId" clId="{1740E17E-B010-4780-BE96-A3AC1BDCFF37}" dt="2023-06-05T11:44:14.876" v="1331" actId="122"/>
       <pc:docMkLst>
         <pc:docMk/>
       </pc:docMkLst>
-      <pc:sldChg chg="modSp new mod">
-        <pc:chgData name="Leo Paranhos" userId="8fe864889a13ae4f" providerId="LiveId" clId="{1740E17E-B010-4780-BE96-A3AC1BDCFF37}" dt="2023-06-05T09:11:39.470" v="21" actId="1076"/>
+      <pc:sldChg chg="addSp delSp modSp new mod">
+        <pc:chgData name="Leo Paranhos" userId="8fe864889a13ae4f" providerId="LiveId" clId="{1740E17E-B010-4780-BE96-A3AC1BDCFF37}" dt="2023-06-05T11:28:36.830" v="531" actId="1076"/>
         <pc:sldMkLst>
           <pc:docMk/>
           <pc:sldMk cId="940664496" sldId="256"/>
         </pc:sldMkLst>
         <pc:spChg chg="mod">
-          <ac:chgData name="Leo Paranhos" userId="8fe864889a13ae4f" providerId="LiveId" clId="{1740E17E-B010-4780-BE96-A3AC1BDCFF37}" dt="2023-06-05T09:11:33.775" v="20" actId="1076"/>
+          <ac:chgData name="Leo Paranhos" userId="8fe864889a13ae4f" providerId="LiveId" clId="{1740E17E-B010-4780-BE96-A3AC1BDCFF37}" dt="2023-06-05T11:16:58.421" v="32" actId="2711"/>
           <ac:spMkLst>
             <pc:docMk/>
             <pc:sldMk cId="940664496" sldId="256"/>
@@ -131,11 +149,262 @@
           </ac:spMkLst>
         </pc:spChg>
         <pc:spChg chg="mod">
-          <ac:chgData name="Leo Paranhos" userId="8fe864889a13ae4f" providerId="LiveId" clId="{1740E17E-B010-4780-BE96-A3AC1BDCFF37}" dt="2023-06-05T09:11:39.470" v="21" actId="1076"/>
+          <ac:chgData name="Leo Paranhos" userId="8fe864889a13ae4f" providerId="LiveId" clId="{1740E17E-B010-4780-BE96-A3AC1BDCFF37}" dt="2023-06-05T11:18:15.605" v="101" actId="1076"/>
           <ac:spMkLst>
             <pc:docMk/>
             <pc:sldMk cId="940664496" sldId="256"/>
             <ac:spMk id="3" creationId="{9192EC3B-D588-4EAC-F568-4FE455DE7080}"/>
+          </ac:spMkLst>
+        </pc:spChg>
+        <pc:spChg chg="add del mod">
+          <ac:chgData name="Leo Paranhos" userId="8fe864889a13ae4f" providerId="LiveId" clId="{1740E17E-B010-4780-BE96-A3AC1BDCFF37}" dt="2023-06-05T11:18:31.600" v="103" actId="767"/>
+          <ac:spMkLst>
+            <pc:docMk/>
+            <pc:sldMk cId="940664496" sldId="256"/>
+            <ac:spMk id="4" creationId="{848E1D1B-FFE1-0EC6-A8F3-2560A78312C6}"/>
+          </ac:spMkLst>
+        </pc:spChg>
+        <pc:spChg chg="add mod">
+          <ac:chgData name="Leo Paranhos" userId="8fe864889a13ae4f" providerId="LiveId" clId="{1740E17E-B010-4780-BE96-A3AC1BDCFF37}" dt="2023-06-05T11:19:38.940" v="149" actId="1076"/>
+          <ac:spMkLst>
+            <pc:docMk/>
+            <pc:sldMk cId="940664496" sldId="256"/>
+            <ac:spMk id="5" creationId="{D49EF720-BAFE-AC6F-39BB-1FEA5C6D988F}"/>
+          </ac:spMkLst>
+        </pc:spChg>
+        <pc:spChg chg="add mod">
+          <ac:chgData name="Leo Paranhos" userId="8fe864889a13ae4f" providerId="LiveId" clId="{1740E17E-B010-4780-BE96-A3AC1BDCFF37}" dt="2023-06-05T11:28:28.584" v="529" actId="1076"/>
+          <ac:spMkLst>
+            <pc:docMk/>
+            <pc:sldMk cId="940664496" sldId="256"/>
+            <ac:spMk id="6" creationId="{09C357D2-567F-B1EA-F697-E0AD7B50DC12}"/>
+          </ac:spMkLst>
+        </pc:spChg>
+        <pc:spChg chg="add mod">
+          <ac:chgData name="Leo Paranhos" userId="8fe864889a13ae4f" providerId="LiveId" clId="{1740E17E-B010-4780-BE96-A3AC1BDCFF37}" dt="2023-06-05T11:28:36.830" v="531" actId="1076"/>
+          <ac:spMkLst>
+            <pc:docMk/>
+            <pc:sldMk cId="940664496" sldId="256"/>
+            <ac:spMk id="7" creationId="{085AE8AA-8219-B545-5D28-37DA4EBB7F68}"/>
+          </ac:spMkLst>
+        </pc:spChg>
+      </pc:sldChg>
+      <pc:sldChg chg="addSp modSp new mod">
+        <pc:chgData name="Leo Paranhos" userId="8fe864889a13ae4f" providerId="LiveId" clId="{1740E17E-B010-4780-BE96-A3AC1BDCFF37}" dt="2023-06-05T11:29:10.512" v="537" actId="1076"/>
+        <pc:sldMkLst>
+          <pc:docMk/>
+          <pc:sldMk cId="552364829" sldId="257"/>
+        </pc:sldMkLst>
+        <pc:spChg chg="mod">
+          <ac:chgData name="Leo Paranhos" userId="8fe864889a13ae4f" providerId="LiveId" clId="{1740E17E-B010-4780-BE96-A3AC1BDCFF37}" dt="2023-06-05T11:29:09.159" v="536" actId="20577"/>
+          <ac:spMkLst>
+            <pc:docMk/>
+            <pc:sldMk cId="552364829" sldId="257"/>
+            <ac:spMk id="2" creationId="{749CB09F-26AB-0339-34F7-A1E4E6F6EB85}"/>
+          </ac:spMkLst>
+        </pc:spChg>
+        <pc:spChg chg="mod">
+          <ac:chgData name="Leo Paranhos" userId="8fe864889a13ae4f" providerId="LiveId" clId="{1740E17E-B010-4780-BE96-A3AC1BDCFF37}" dt="2023-06-05T11:26:28.204" v="429" actId="1076"/>
+          <ac:spMkLst>
+            <pc:docMk/>
+            <pc:sldMk cId="552364829" sldId="257"/>
+            <ac:spMk id="3" creationId="{E2CC9ECA-7626-6553-8EA4-C479C3D68668}"/>
+          </ac:spMkLst>
+        </pc:spChg>
+        <pc:spChg chg="add mod">
+          <ac:chgData name="Leo Paranhos" userId="8fe864889a13ae4f" providerId="LiveId" clId="{1740E17E-B010-4780-BE96-A3AC1BDCFF37}" dt="2023-06-05T11:29:10.512" v="537" actId="1076"/>
+          <ac:spMkLst>
+            <pc:docMk/>
+            <pc:sldMk cId="552364829" sldId="257"/>
+            <ac:spMk id="4" creationId="{F15BC75B-36ED-4E01-E52A-4CA54039C0B7}"/>
+          </ac:spMkLst>
+        </pc:spChg>
+        <pc:spChg chg="add mod">
+          <ac:chgData name="Leo Paranhos" userId="8fe864889a13ae4f" providerId="LiveId" clId="{1740E17E-B010-4780-BE96-A3AC1BDCFF37}" dt="2023-06-05T11:28:31.708" v="530"/>
+          <ac:spMkLst>
+            <pc:docMk/>
+            <pc:sldMk cId="552364829" sldId="257"/>
+            <ac:spMk id="5" creationId="{1A2C1154-4260-EC65-8E4C-01109FED828B}"/>
+          </ac:spMkLst>
+        </pc:spChg>
+        <pc:spChg chg="add mod ord">
+          <ac:chgData name="Leo Paranhos" userId="8fe864889a13ae4f" providerId="LiveId" clId="{1740E17E-B010-4780-BE96-A3AC1BDCFF37}" dt="2023-06-05T11:28:48.610" v="533" actId="167"/>
+          <ac:spMkLst>
+            <pc:docMk/>
+            <pc:sldMk cId="552364829" sldId="257"/>
+            <ac:spMk id="6" creationId="{26B3FD4C-92D3-5C72-3A96-B546F238F77D}"/>
+          </ac:spMkLst>
+        </pc:spChg>
+      </pc:sldChg>
+      <pc:sldChg chg="addSp delSp modSp add mod">
+        <pc:chgData name="Leo Paranhos" userId="8fe864889a13ae4f" providerId="LiveId" clId="{1740E17E-B010-4780-BE96-A3AC1BDCFF37}" dt="2023-06-05T11:33:47.184" v="578" actId="1076"/>
+        <pc:sldMkLst>
+          <pc:docMk/>
+          <pc:sldMk cId="2948099191" sldId="258"/>
+        </pc:sldMkLst>
+        <pc:spChg chg="mod">
+          <ac:chgData name="Leo Paranhos" userId="8fe864889a13ae4f" providerId="LiveId" clId="{1740E17E-B010-4780-BE96-A3AC1BDCFF37}" dt="2023-06-05T11:30:07.318" v="559" actId="20577"/>
+          <ac:spMkLst>
+            <pc:docMk/>
+            <pc:sldMk cId="2948099191" sldId="258"/>
+            <ac:spMk id="2" creationId="{749CB09F-26AB-0339-34F7-A1E4E6F6EB85}"/>
+          </ac:spMkLst>
+        </pc:spChg>
+        <pc:spChg chg="del">
+          <ac:chgData name="Leo Paranhos" userId="8fe864889a13ae4f" providerId="LiveId" clId="{1740E17E-B010-4780-BE96-A3AC1BDCFF37}" dt="2023-06-05T11:30:11.845" v="560" actId="478"/>
+          <ac:spMkLst>
+            <pc:docMk/>
+            <pc:sldMk cId="2948099191" sldId="258"/>
+            <ac:spMk id="3" creationId="{E2CC9ECA-7626-6553-8EA4-C479C3D68668}"/>
+          </ac:spMkLst>
+        </pc:spChg>
+        <pc:spChg chg="del mod">
+          <ac:chgData name="Leo Paranhos" userId="8fe864889a13ae4f" providerId="LiveId" clId="{1740E17E-B010-4780-BE96-A3AC1BDCFF37}" dt="2023-06-05T11:30:24.803" v="566" actId="478"/>
+          <ac:spMkLst>
+            <pc:docMk/>
+            <pc:sldMk cId="2948099191" sldId="258"/>
+            <ac:spMk id="4" creationId="{F15BC75B-36ED-4E01-E52A-4CA54039C0B7}"/>
+          </ac:spMkLst>
+        </pc:spChg>
+        <pc:spChg chg="add del mod">
+          <ac:chgData name="Leo Paranhos" userId="8fe864889a13ae4f" providerId="LiveId" clId="{1740E17E-B010-4780-BE96-A3AC1BDCFF37}" dt="2023-06-05T11:30:16.579" v="562" actId="478"/>
+          <ac:spMkLst>
+            <pc:docMk/>
+            <pc:sldMk cId="2948099191" sldId="258"/>
+            <ac:spMk id="8" creationId="{4A62E2FE-2A8B-ABA3-3191-F3455EBEB8C4}"/>
+          </ac:spMkLst>
+        </pc:spChg>
+        <pc:picChg chg="add mod">
+          <ac:chgData name="Leo Paranhos" userId="8fe864889a13ae4f" providerId="LiveId" clId="{1740E17E-B010-4780-BE96-A3AC1BDCFF37}" dt="2023-06-05T11:32:09.829" v="572" actId="1076"/>
+          <ac:picMkLst>
+            <pc:docMk/>
+            <pc:sldMk cId="2948099191" sldId="258"/>
+            <ac:picMk id="10" creationId="{4D077452-1AC0-A09A-377A-A4B1F7AAB223}"/>
+          </ac:picMkLst>
+        </pc:picChg>
+        <pc:picChg chg="add mod">
+          <ac:chgData name="Leo Paranhos" userId="8fe864889a13ae4f" providerId="LiveId" clId="{1740E17E-B010-4780-BE96-A3AC1BDCFF37}" dt="2023-06-05T11:33:47.184" v="578" actId="1076"/>
+          <ac:picMkLst>
+            <pc:docMk/>
+            <pc:sldMk cId="2948099191" sldId="258"/>
+            <ac:picMk id="12" creationId="{BD8CDFF0-4B10-106B-FDB7-1A2DB20902D9}"/>
+          </ac:picMkLst>
+        </pc:picChg>
+      </pc:sldChg>
+      <pc:sldChg chg="addSp delSp modSp add mod ord">
+        <pc:chgData name="Leo Paranhos" userId="8fe864889a13ae4f" providerId="LiveId" clId="{1740E17E-B010-4780-BE96-A3AC1BDCFF37}" dt="2023-06-05T11:39:03.095" v="779" actId="1076"/>
+        <pc:sldMkLst>
+          <pc:docMk/>
+          <pc:sldMk cId="2449921915" sldId="259"/>
+        </pc:sldMkLst>
+        <pc:spChg chg="mod">
+          <ac:chgData name="Leo Paranhos" userId="8fe864889a13ae4f" providerId="LiveId" clId="{1740E17E-B010-4780-BE96-A3AC1BDCFF37}" dt="2023-06-05T11:35:17.230" v="614" actId="20577"/>
+          <ac:spMkLst>
+            <pc:docMk/>
+            <pc:sldMk cId="2449921915" sldId="259"/>
+            <ac:spMk id="2" creationId="{749CB09F-26AB-0339-34F7-A1E4E6F6EB85}"/>
+          </ac:spMkLst>
+        </pc:spChg>
+        <pc:spChg chg="mod">
+          <ac:chgData name="Leo Paranhos" userId="8fe864889a13ae4f" providerId="LiveId" clId="{1740E17E-B010-4780-BE96-A3AC1BDCFF37}" dt="2023-06-05T11:36:51.359" v="768" actId="20577"/>
+          <ac:spMkLst>
+            <pc:docMk/>
+            <pc:sldMk cId="2449921915" sldId="259"/>
+            <ac:spMk id="3" creationId="{E2CC9ECA-7626-6553-8EA4-C479C3D68668}"/>
+          </ac:spMkLst>
+        </pc:spChg>
+        <pc:spChg chg="del">
+          <ac:chgData name="Leo Paranhos" userId="8fe864889a13ae4f" providerId="LiveId" clId="{1740E17E-B010-4780-BE96-A3AC1BDCFF37}" dt="2023-06-05T11:36:56.295" v="769" actId="478"/>
+          <ac:spMkLst>
+            <pc:docMk/>
+            <pc:sldMk cId="2449921915" sldId="259"/>
+            <ac:spMk id="4" creationId="{F15BC75B-36ED-4E01-E52A-4CA54039C0B7}"/>
+          </ac:spMkLst>
+        </pc:spChg>
+        <pc:picChg chg="add del">
+          <ac:chgData name="Leo Paranhos" userId="8fe864889a13ae4f" providerId="LiveId" clId="{1740E17E-B010-4780-BE96-A3AC1BDCFF37}" dt="2023-06-05T11:38:24.788" v="771" actId="22"/>
+          <ac:picMkLst>
+            <pc:docMk/>
+            <pc:sldMk cId="2449921915" sldId="259"/>
+            <ac:picMk id="8" creationId="{5549FB10-1A6A-E9BE-0560-14953BBB3CEE}"/>
+          </ac:picMkLst>
+        </pc:picChg>
+        <pc:picChg chg="add mod">
+          <ac:chgData name="Leo Paranhos" userId="8fe864889a13ae4f" providerId="LiveId" clId="{1740E17E-B010-4780-BE96-A3AC1BDCFF37}" dt="2023-06-05T11:39:03.095" v="779" actId="1076"/>
+          <ac:picMkLst>
+            <pc:docMk/>
+            <pc:sldMk cId="2449921915" sldId="259"/>
+            <ac:picMk id="10" creationId="{F743CA89-074F-3FC1-5C79-F1704F7B09BF}"/>
+          </ac:picMkLst>
+        </pc:picChg>
+      </pc:sldChg>
+      <pc:sldChg chg="modSp add mod ord">
+        <pc:chgData name="Leo Paranhos" userId="8fe864889a13ae4f" providerId="LiveId" clId="{1740E17E-B010-4780-BE96-A3AC1BDCFF37}" dt="2023-06-05T11:43:28.558" v="1276" actId="20577"/>
+        <pc:sldMkLst>
+          <pc:docMk/>
+          <pc:sldMk cId="2178672299" sldId="260"/>
+        </pc:sldMkLst>
+        <pc:spChg chg="mod">
+          <ac:chgData name="Leo Paranhos" userId="8fe864889a13ae4f" providerId="LiveId" clId="{1740E17E-B010-4780-BE96-A3AC1BDCFF37}" dt="2023-06-05T11:40:01.286" v="819" actId="20577"/>
+          <ac:spMkLst>
+            <pc:docMk/>
+            <pc:sldMk cId="2178672299" sldId="260"/>
+            <ac:spMk id="2" creationId="{749CB09F-26AB-0339-34F7-A1E4E6F6EB85}"/>
+          </ac:spMkLst>
+        </pc:spChg>
+        <pc:spChg chg="mod">
+          <ac:chgData name="Leo Paranhos" userId="8fe864889a13ae4f" providerId="LiveId" clId="{1740E17E-B010-4780-BE96-A3AC1BDCFF37}" dt="2023-06-05T11:41:42.269" v="1041" actId="20577"/>
+          <ac:spMkLst>
+            <pc:docMk/>
+            <pc:sldMk cId="2178672299" sldId="260"/>
+            <ac:spMk id="3" creationId="{E2CC9ECA-7626-6553-8EA4-C479C3D68668}"/>
+          </ac:spMkLst>
+        </pc:spChg>
+        <pc:spChg chg="mod">
+          <ac:chgData name="Leo Paranhos" userId="8fe864889a13ae4f" providerId="LiveId" clId="{1740E17E-B010-4780-BE96-A3AC1BDCFF37}" dt="2023-06-05T11:43:28.558" v="1276" actId="20577"/>
+          <ac:spMkLst>
+            <pc:docMk/>
+            <pc:sldMk cId="2178672299" sldId="260"/>
+            <ac:spMk id="4" creationId="{F15BC75B-36ED-4E01-E52A-4CA54039C0B7}"/>
+          </ac:spMkLst>
+        </pc:spChg>
+      </pc:sldChg>
+      <pc:sldChg chg="addSp delSp modSp add mod">
+        <pc:chgData name="Leo Paranhos" userId="8fe864889a13ae4f" providerId="LiveId" clId="{1740E17E-B010-4780-BE96-A3AC1BDCFF37}" dt="2023-06-05T11:44:14.876" v="1331" actId="122"/>
+        <pc:sldMkLst>
+          <pc:docMk/>
+          <pc:sldMk cId="2116470728" sldId="261"/>
+        </pc:sldMkLst>
+        <pc:spChg chg="mod">
+          <ac:chgData name="Leo Paranhos" userId="8fe864889a13ae4f" providerId="LiveId" clId="{1740E17E-B010-4780-BE96-A3AC1BDCFF37}" dt="2023-06-05T11:44:14.876" v="1331" actId="122"/>
+          <ac:spMkLst>
+            <pc:docMk/>
+            <pc:sldMk cId="2116470728" sldId="261"/>
+            <ac:spMk id="2" creationId="{749CB09F-26AB-0339-34F7-A1E4E6F6EB85}"/>
+          </ac:spMkLst>
+        </pc:spChg>
+        <pc:spChg chg="del">
+          <ac:chgData name="Leo Paranhos" userId="8fe864889a13ae4f" providerId="LiveId" clId="{1740E17E-B010-4780-BE96-A3AC1BDCFF37}" dt="2023-06-05T11:43:42.979" v="1278" actId="478"/>
+          <ac:spMkLst>
+            <pc:docMk/>
+            <pc:sldMk cId="2116470728" sldId="261"/>
+            <ac:spMk id="3" creationId="{E2CC9ECA-7626-6553-8EA4-C479C3D68668}"/>
+          </ac:spMkLst>
+        </pc:spChg>
+        <pc:spChg chg="del">
+          <ac:chgData name="Leo Paranhos" userId="8fe864889a13ae4f" providerId="LiveId" clId="{1740E17E-B010-4780-BE96-A3AC1BDCFF37}" dt="2023-06-05T11:43:49.571" v="1280" actId="478"/>
+          <ac:spMkLst>
+            <pc:docMk/>
+            <pc:sldMk cId="2116470728" sldId="261"/>
+            <ac:spMk id="4" creationId="{F15BC75B-36ED-4E01-E52A-4CA54039C0B7}"/>
+          </ac:spMkLst>
+        </pc:spChg>
+        <pc:spChg chg="add del mod">
+          <ac:chgData name="Leo Paranhos" userId="8fe864889a13ae4f" providerId="LiveId" clId="{1740E17E-B010-4780-BE96-A3AC1BDCFF37}" dt="2023-06-05T11:43:46.131" v="1279" actId="478"/>
+          <ac:spMkLst>
+            <pc:docMk/>
+            <pc:sldMk cId="2116470728" sldId="261"/>
+            <ac:spMk id="8" creationId="{C3AB1341-978E-86C7-5C29-AD0294908A3E}"/>
           </ac:spMkLst>
         </pc:spChg>
       </pc:sldChg>
@@ -3387,10 +3656,16 @@
           <a:lstStyle/>
           <a:p>
             <a:r>
-              <a:rPr lang="pt-BR" dirty="0"/>
-              <a:t>Day by Day</a:t>
-            </a:r>
-            <a:endParaRPr lang="en-US" dirty="0"/>
+              <a:rPr lang="pt-BR" dirty="0">
+                <a:latin typeface="Times New Roman" panose="02020603050405020304" pitchFamily="18" charset="0"/>
+                <a:cs typeface="Times New Roman" panose="02020603050405020304" pitchFamily="18" charset="0"/>
+              </a:rPr>
+              <a:t>Projeto - Day by Day</a:t>
+            </a:r>
+            <a:endParaRPr lang="en-US" dirty="0">
+              <a:latin typeface="Times New Roman" panose="02020603050405020304" pitchFamily="18" charset="0"/>
+              <a:cs typeface="Times New Roman" panose="02020603050405020304" pitchFamily="18" charset="0"/>
+            </a:endParaRPr>
           </a:p>
         </p:txBody>
       </p:sp>
@@ -3412,15 +3687,187 @@
         </p:nvSpPr>
         <p:spPr>
           <a:xfrm>
-            <a:off x="1524000" y="2132053"/>
-            <a:ext cx="9144000" cy="1655762"/>
+            <a:off x="1524000" y="1715364"/>
+            <a:ext cx="9144000" cy="391228"/>
           </a:xfrm>
         </p:spPr>
         <p:txBody>
-          <a:bodyPr/>
-          <a:lstStyle/>
-          <a:p>
+          <a:bodyPr>
+            <a:normAutofit/>
+          </a:bodyPr>
+          <a:lstStyle/>
+          <a:p>
+            <a:r>
+              <a:rPr lang="en-US" sz="1800" dirty="0" err="1">
+                <a:latin typeface="Arial" panose="020B0604020202020204" pitchFamily="34" charset="0"/>
+                <a:cs typeface="Arial" panose="020B0604020202020204" pitchFamily="34" charset="0"/>
+              </a:rPr>
+              <a:t>Desenvolvido</a:t>
+            </a:r>
+            <a:r>
+              <a:rPr lang="en-US" sz="1800" dirty="0">
+                <a:latin typeface="Arial" panose="020B0604020202020204" pitchFamily="34" charset="0"/>
+                <a:cs typeface="Arial" panose="020B0604020202020204" pitchFamily="34" charset="0"/>
+              </a:rPr>
+              <a:t> </a:t>
+            </a:r>
+            <a:r>
+              <a:rPr lang="en-US" sz="1800" dirty="0" err="1">
+                <a:latin typeface="Arial" panose="020B0604020202020204" pitchFamily="34" charset="0"/>
+                <a:cs typeface="Arial" panose="020B0604020202020204" pitchFamily="34" charset="0"/>
+              </a:rPr>
+              <a:t>por</a:t>
+            </a:r>
+            <a:r>
+              <a:rPr lang="en-US" sz="1800" dirty="0">
+                <a:latin typeface="Arial" panose="020B0604020202020204" pitchFamily="34" charset="0"/>
+                <a:cs typeface="Arial" panose="020B0604020202020204" pitchFamily="34" charset="0"/>
+              </a:rPr>
+              <a:t> Erick Nunes de Araujo – 1 ADS C</a:t>
+            </a:r>
+          </a:p>
+        </p:txBody>
+      </p:sp>
+      <p:sp>
+        <p:nvSpPr>
+          <p:cNvPr id="5" name="TextBox 4">
+            <a:extLst>
+              <a:ext uri="{FF2B5EF4-FFF2-40B4-BE49-F238E27FC236}">
+                <a16:creationId xmlns:a16="http://schemas.microsoft.com/office/drawing/2014/main" id="{D49EF720-BAFE-AC6F-39BB-1FEA5C6D988F}"/>
+              </a:ext>
+            </a:extLst>
+          </p:cNvPr>
+          <p:cNvSpPr txBox="1"/>
+          <p:nvPr/>
+        </p:nvSpPr>
+        <p:spPr>
+          <a:xfrm>
+            <a:off x="3867873" y="5276998"/>
+            <a:ext cx="4456253" cy="369332"/>
+          </a:xfrm>
+          <a:prstGeom prst="rect">
+            <a:avLst/>
+          </a:prstGeom>
+          <a:noFill/>
+        </p:spPr>
+        <p:txBody>
+          <a:bodyPr wrap="square" rtlCol="0">
+            <a:spAutoFit/>
+          </a:bodyPr>
+          <a:lstStyle/>
+          <a:p>
+            <a:pPr algn="ctr"/>
+            <a:r>
+              <a:rPr lang="en-US" dirty="0"/>
+              <a:t>2023 -  S</a:t>
+            </a:r>
+            <a:r>
+              <a:rPr lang="pt-BR" dirty="0"/>
+              <a:t>âo Paulo</a:t>
+            </a:r>
             <a:endParaRPr lang="en-US" dirty="0"/>
+          </a:p>
+        </p:txBody>
+      </p:sp>
+      <p:sp>
+        <p:nvSpPr>
+          <p:cNvPr id="6" name="Rectangle 5">
+            <a:extLst>
+              <a:ext uri="{FF2B5EF4-FFF2-40B4-BE49-F238E27FC236}">
+                <a16:creationId xmlns:a16="http://schemas.microsoft.com/office/drawing/2014/main" id="{09C357D2-567F-B1EA-F697-E0AD7B50DC12}"/>
+              </a:ext>
+            </a:extLst>
+          </p:cNvPr>
+          <p:cNvSpPr/>
+          <p:nvPr/>
+        </p:nvSpPr>
+        <p:spPr>
+          <a:xfrm rot="2700000">
+            <a:off x="934734" y="5221194"/>
+            <a:ext cx="1178535" cy="1178535"/>
+          </a:xfrm>
+          <a:prstGeom prst="rect">
+            <a:avLst/>
+          </a:prstGeom>
+          <a:solidFill>
+            <a:schemeClr val="accent2">
+              <a:lumMod val="75000"/>
+            </a:schemeClr>
+          </a:solidFill>
+        </p:spPr>
+        <p:style>
+          <a:lnRef idx="2">
+            <a:schemeClr val="accent1">
+              <a:shade val="50000"/>
+            </a:schemeClr>
+          </a:lnRef>
+          <a:fillRef idx="1">
+            <a:schemeClr val="accent1"/>
+          </a:fillRef>
+          <a:effectRef idx="0">
+            <a:schemeClr val="accent1"/>
+          </a:effectRef>
+          <a:fontRef idx="minor">
+            <a:schemeClr val="lt1"/>
+          </a:fontRef>
+        </p:style>
+        <p:txBody>
+          <a:bodyPr rtlCol="0" anchor="ctr"/>
+          <a:lstStyle/>
+          <a:p>
+            <a:pPr algn="ctr"/>
+            <a:endParaRPr lang="en-US"/>
+          </a:p>
+        </p:txBody>
+      </p:sp>
+      <p:sp>
+        <p:nvSpPr>
+          <p:cNvPr id="7" name="Oval 6">
+            <a:extLst>
+              <a:ext uri="{FF2B5EF4-FFF2-40B4-BE49-F238E27FC236}">
+                <a16:creationId xmlns:a16="http://schemas.microsoft.com/office/drawing/2014/main" id="{085AE8AA-8219-B545-5D28-37DA4EBB7F68}"/>
+              </a:ext>
+            </a:extLst>
+          </p:cNvPr>
+          <p:cNvSpPr/>
+          <p:nvPr/>
+        </p:nvSpPr>
+        <p:spPr>
+          <a:xfrm>
+            <a:off x="10668000" y="286412"/>
+            <a:ext cx="1209556" cy="1209556"/>
+          </a:xfrm>
+          <a:prstGeom prst="ellipse">
+            <a:avLst/>
+          </a:prstGeom>
+          <a:solidFill>
+            <a:schemeClr val="accent6">
+              <a:lumMod val="75000"/>
+            </a:schemeClr>
+          </a:solidFill>
+        </p:spPr>
+        <p:style>
+          <a:lnRef idx="2">
+            <a:schemeClr val="accent1">
+              <a:shade val="50000"/>
+            </a:schemeClr>
+          </a:lnRef>
+          <a:fillRef idx="1">
+            <a:schemeClr val="accent1"/>
+          </a:fillRef>
+          <a:effectRef idx="0">
+            <a:schemeClr val="accent1"/>
+          </a:effectRef>
+          <a:fontRef idx="minor">
+            <a:schemeClr val="lt1"/>
+          </a:fontRef>
+        </p:style>
+        <p:txBody>
+          <a:bodyPr rtlCol="0" anchor="ctr"/>
+          <a:lstStyle/>
+          <a:p>
+            <a:pPr algn="ctr"/>
+            <a:endParaRPr lang="en-US"/>
           </a:p>
         </p:txBody>
       </p:sp>
@@ -3428,6 +3875,2529 @@
     <p:extLst>
       <p:ext uri="{BB962C8B-B14F-4D97-AF65-F5344CB8AC3E}">
         <p14:creationId xmlns:p14="http://schemas.microsoft.com/office/powerpoint/2010/main" val="940664496"/>
+      </p:ext>
+    </p:extLst>
+  </p:cSld>
+  <p:clrMapOvr>
+    <a:masterClrMapping/>
+  </p:clrMapOvr>
+</p:sld>
+</file>
+
+<file path=ppt/slides/slide2.xml><?xml version="1.0" encoding="utf-8"?>
+<p:sld xmlns:a="http://schemas.openxmlformats.org/drawingml/2006/main" xmlns:r="http://schemas.openxmlformats.org/officeDocument/2006/relationships" xmlns:p="http://schemas.openxmlformats.org/presentationml/2006/main">
+  <p:cSld>
+    <p:spTree>
+      <p:nvGrpSpPr>
+        <p:cNvPr id="1" name=""/>
+        <p:cNvGrpSpPr/>
+        <p:nvPr/>
+      </p:nvGrpSpPr>
+      <p:grpSpPr>
+        <a:xfrm>
+          <a:off x="0" y="0"/>
+          <a:ext cx="0" cy="0"/>
+          <a:chOff x="0" y="0"/>
+          <a:chExt cx="0" cy="0"/>
+        </a:xfrm>
+      </p:grpSpPr>
+      <p:sp>
+        <p:nvSpPr>
+          <p:cNvPr id="6" name="Oval 5">
+            <a:extLst>
+              <a:ext uri="{FF2B5EF4-FFF2-40B4-BE49-F238E27FC236}">
+                <a16:creationId xmlns:a16="http://schemas.microsoft.com/office/drawing/2014/main" id="{26B3FD4C-92D3-5C72-3A96-B546F238F77D}"/>
+              </a:ext>
+            </a:extLst>
+          </p:cNvPr>
+          <p:cNvSpPr/>
+          <p:nvPr/>
+        </p:nvSpPr>
+        <p:spPr>
+          <a:xfrm>
+            <a:off x="10668000" y="286412"/>
+            <a:ext cx="1209556" cy="1209556"/>
+          </a:xfrm>
+          <a:prstGeom prst="ellipse">
+            <a:avLst/>
+          </a:prstGeom>
+          <a:solidFill>
+            <a:schemeClr val="accent6">
+              <a:lumMod val="75000"/>
+            </a:schemeClr>
+          </a:solidFill>
+        </p:spPr>
+        <p:style>
+          <a:lnRef idx="2">
+            <a:schemeClr val="accent1">
+              <a:shade val="50000"/>
+            </a:schemeClr>
+          </a:lnRef>
+          <a:fillRef idx="1">
+            <a:schemeClr val="accent1"/>
+          </a:fillRef>
+          <a:effectRef idx="0">
+            <a:schemeClr val="accent1"/>
+          </a:effectRef>
+          <a:fontRef idx="minor">
+            <a:schemeClr val="lt1"/>
+          </a:fontRef>
+        </p:style>
+        <p:txBody>
+          <a:bodyPr rtlCol="0" anchor="ctr"/>
+          <a:lstStyle/>
+          <a:p>
+            <a:pPr algn="ctr"/>
+            <a:endParaRPr lang="en-US"/>
+          </a:p>
+        </p:txBody>
+      </p:sp>
+      <p:sp>
+        <p:nvSpPr>
+          <p:cNvPr id="2" name="Title 1">
+            <a:extLst>
+              <a:ext uri="{FF2B5EF4-FFF2-40B4-BE49-F238E27FC236}">
+                <a16:creationId xmlns:a16="http://schemas.microsoft.com/office/drawing/2014/main" id="{749CB09F-26AB-0339-34F7-A1E4E6F6EB85}"/>
+              </a:ext>
+            </a:extLst>
+          </p:cNvPr>
+          <p:cNvSpPr>
+            <a:spLocks noGrp="1"/>
+          </p:cNvSpPr>
+          <p:nvPr>
+            <p:ph type="title"/>
+          </p:nvPr>
+        </p:nvSpPr>
+        <p:spPr>
+          <a:xfrm>
+            <a:off x="838200" y="365125"/>
+            <a:ext cx="10539714" cy="1325563"/>
+          </a:xfrm>
+        </p:spPr>
+        <p:txBody>
+          <a:bodyPr/>
+          <a:lstStyle/>
+          <a:p>
+            <a:r>
+              <a:rPr lang="pt-BR" dirty="0">
+                <a:latin typeface="Times New Roman" panose="02020603050405020304" pitchFamily="18" charset="0"/>
+                <a:cs typeface="Times New Roman" panose="02020603050405020304" pitchFamily="18" charset="0"/>
+              </a:rPr>
+              <a:t>Ideia do Projeto e como se </a:t>
+            </a:r>
+            <a:r>
+              <a:rPr lang="pt-BR" sz="4000" dirty="0">
+                <a:latin typeface="Times New Roman" panose="02020603050405020304" pitchFamily="18" charset="0"/>
+                <a:cs typeface="Times New Roman" panose="02020603050405020304" pitchFamily="18" charset="0"/>
+              </a:rPr>
+              <a:t>relaciona</a:t>
+            </a:r>
+            <a:r>
+              <a:rPr lang="pt-BR" dirty="0">
+                <a:latin typeface="Times New Roman" panose="02020603050405020304" pitchFamily="18" charset="0"/>
+                <a:cs typeface="Times New Roman" panose="02020603050405020304" pitchFamily="18" charset="0"/>
+              </a:rPr>
+              <a:t> comigo</a:t>
+            </a:r>
+            <a:endParaRPr lang="en-US" dirty="0">
+              <a:latin typeface="Times New Roman" panose="02020603050405020304" pitchFamily="18" charset="0"/>
+              <a:cs typeface="Times New Roman" panose="02020603050405020304" pitchFamily="18" charset="0"/>
+            </a:endParaRPr>
+          </a:p>
+        </p:txBody>
+      </p:sp>
+      <p:sp>
+        <p:nvSpPr>
+          <p:cNvPr id="3" name="Content Placeholder 2">
+            <a:extLst>
+              <a:ext uri="{FF2B5EF4-FFF2-40B4-BE49-F238E27FC236}">
+                <a16:creationId xmlns:a16="http://schemas.microsoft.com/office/drawing/2014/main" id="{E2CC9ECA-7626-6553-8EA4-C479C3D68668}"/>
+              </a:ext>
+            </a:extLst>
+          </p:cNvPr>
+          <p:cNvSpPr>
+            <a:spLocks noGrp="1"/>
+          </p:cNvSpPr>
+          <p:nvPr>
+            <p:ph idx="1"/>
+          </p:nvPr>
+        </p:nvSpPr>
+        <p:spPr>
+          <a:xfrm>
+            <a:off x="1622385" y="1825625"/>
+            <a:ext cx="3849547" cy="4351338"/>
+          </a:xfrm>
+        </p:spPr>
+        <p:txBody>
+          <a:bodyPr>
+            <a:normAutofit/>
+          </a:bodyPr>
+          <a:lstStyle/>
+          <a:p>
+            <a:pPr marL="0" indent="0">
+              <a:buNone/>
+            </a:pPr>
+            <a:r>
+              <a:rPr lang="en-US" sz="1800" dirty="0">
+                <a:latin typeface="Arial" panose="020B0604020202020204" pitchFamily="34" charset="0"/>
+                <a:cs typeface="Arial" panose="020B0604020202020204" pitchFamily="34" charset="0"/>
+              </a:rPr>
+              <a:t>Ideas:</a:t>
+            </a:r>
+          </a:p>
+          <a:p>
+            <a:pPr marL="0" indent="0">
+              <a:buNone/>
+            </a:pPr>
+            <a:r>
+              <a:rPr lang="en-US" sz="1800" dirty="0">
+                <a:latin typeface="Arial" panose="020B0604020202020204" pitchFamily="34" charset="0"/>
+                <a:cs typeface="Arial" panose="020B0604020202020204" pitchFamily="34" charset="0"/>
+              </a:rPr>
+              <a:t>-</a:t>
+            </a:r>
+            <a:r>
+              <a:rPr lang="en-US" sz="1800" dirty="0" err="1">
+                <a:latin typeface="Arial" panose="020B0604020202020204" pitchFamily="34" charset="0"/>
+                <a:cs typeface="Arial" panose="020B0604020202020204" pitchFamily="34" charset="0"/>
+              </a:rPr>
+              <a:t>Incentivar</a:t>
+            </a:r>
+            <a:r>
+              <a:rPr lang="en-US" sz="1800" dirty="0">
+                <a:latin typeface="Arial" panose="020B0604020202020204" pitchFamily="34" charset="0"/>
+                <a:cs typeface="Arial" panose="020B0604020202020204" pitchFamily="34" charset="0"/>
+              </a:rPr>
+              <a:t> o </a:t>
+            </a:r>
+            <a:r>
+              <a:rPr lang="en-US" sz="1800" dirty="0" err="1">
+                <a:latin typeface="Arial" panose="020B0604020202020204" pitchFamily="34" charset="0"/>
+                <a:cs typeface="Arial" panose="020B0604020202020204" pitchFamily="34" charset="0"/>
+              </a:rPr>
+              <a:t>aprendizado</a:t>
+            </a:r>
+            <a:r>
+              <a:rPr lang="en-US" sz="1800" dirty="0">
+                <a:latin typeface="Arial" panose="020B0604020202020204" pitchFamily="34" charset="0"/>
+                <a:cs typeface="Arial" panose="020B0604020202020204" pitchFamily="34" charset="0"/>
+              </a:rPr>
+              <a:t> de </a:t>
+            </a:r>
+            <a:r>
+              <a:rPr lang="en-US" sz="1800" dirty="0" err="1">
+                <a:latin typeface="Arial" panose="020B0604020202020204" pitchFamily="34" charset="0"/>
+                <a:cs typeface="Arial" panose="020B0604020202020204" pitchFamily="34" charset="0"/>
+              </a:rPr>
+              <a:t>novas</a:t>
+            </a:r>
+            <a:r>
+              <a:rPr lang="en-US" sz="1800" dirty="0">
+                <a:latin typeface="Arial" panose="020B0604020202020204" pitchFamily="34" charset="0"/>
+                <a:cs typeface="Arial" panose="020B0604020202020204" pitchFamily="34" charset="0"/>
+              </a:rPr>
+              <a:t> </a:t>
+            </a:r>
+            <a:r>
+              <a:rPr lang="en-US" sz="1800" dirty="0" err="1">
+                <a:latin typeface="Arial" panose="020B0604020202020204" pitchFamily="34" charset="0"/>
+                <a:cs typeface="Arial" panose="020B0604020202020204" pitchFamily="34" charset="0"/>
+              </a:rPr>
+              <a:t>linguas</a:t>
+            </a:r>
+            <a:endParaRPr lang="en-US" sz="1800" dirty="0">
+              <a:latin typeface="Arial" panose="020B0604020202020204" pitchFamily="34" charset="0"/>
+              <a:cs typeface="Arial" panose="020B0604020202020204" pitchFamily="34" charset="0"/>
+            </a:endParaRPr>
+          </a:p>
+          <a:p>
+            <a:pPr marL="0" indent="0">
+              <a:buNone/>
+            </a:pPr>
+            <a:r>
+              <a:rPr lang="en-US" sz="1800" dirty="0">
+                <a:latin typeface="Arial" panose="020B0604020202020204" pitchFamily="34" charset="0"/>
+                <a:cs typeface="Arial" panose="020B0604020202020204" pitchFamily="34" charset="0"/>
+              </a:rPr>
+              <a:t>-</a:t>
+            </a:r>
+            <a:r>
+              <a:rPr lang="en-US" sz="1800" dirty="0" err="1">
+                <a:latin typeface="Arial" panose="020B0604020202020204" pitchFamily="34" charset="0"/>
+                <a:cs typeface="Arial" panose="020B0604020202020204" pitchFamily="34" charset="0"/>
+              </a:rPr>
+              <a:t>Criar</a:t>
+            </a:r>
+            <a:r>
+              <a:rPr lang="en-US" sz="1800" dirty="0">
+                <a:latin typeface="Arial" panose="020B0604020202020204" pitchFamily="34" charset="0"/>
+                <a:cs typeface="Arial" panose="020B0604020202020204" pitchFamily="34" charset="0"/>
+              </a:rPr>
+              <a:t> </a:t>
+            </a:r>
+            <a:r>
+              <a:rPr lang="en-US" sz="1800" dirty="0" err="1">
+                <a:latin typeface="Arial" panose="020B0604020202020204" pitchFamily="34" charset="0"/>
+                <a:cs typeface="Arial" panose="020B0604020202020204" pitchFamily="34" charset="0"/>
+              </a:rPr>
+              <a:t>uma</a:t>
+            </a:r>
+            <a:r>
+              <a:rPr lang="en-US" sz="1800" dirty="0">
+                <a:latin typeface="Arial" panose="020B0604020202020204" pitchFamily="34" charset="0"/>
+                <a:cs typeface="Arial" panose="020B0604020202020204" pitchFamily="34" charset="0"/>
+              </a:rPr>
+              <a:t> Plataforma para </a:t>
+            </a:r>
+            <a:r>
+              <a:rPr lang="en-US" sz="1800" dirty="0" err="1">
+                <a:latin typeface="Arial" panose="020B0604020202020204" pitchFamily="34" charset="0"/>
+                <a:cs typeface="Arial" panose="020B0604020202020204" pitchFamily="34" charset="0"/>
+              </a:rPr>
+              <a:t>guiar</a:t>
+            </a:r>
+            <a:r>
+              <a:rPr lang="en-US" sz="1800" dirty="0">
+                <a:latin typeface="Arial" panose="020B0604020202020204" pitchFamily="34" charset="0"/>
+                <a:cs typeface="Arial" panose="020B0604020202020204" pitchFamily="34" charset="0"/>
+              </a:rPr>
+              <a:t> </a:t>
+            </a:r>
+            <a:r>
+              <a:rPr lang="en-US" sz="1800" dirty="0" err="1">
+                <a:latin typeface="Arial" panose="020B0604020202020204" pitchFamily="34" charset="0"/>
+                <a:cs typeface="Arial" panose="020B0604020202020204" pitchFamily="34" charset="0"/>
+              </a:rPr>
+              <a:t>pessoas</a:t>
+            </a:r>
+            <a:r>
+              <a:rPr lang="en-US" sz="1800" dirty="0">
+                <a:latin typeface="Arial" panose="020B0604020202020204" pitchFamily="34" charset="0"/>
+                <a:cs typeface="Arial" panose="020B0604020202020204" pitchFamily="34" charset="0"/>
+              </a:rPr>
+              <a:t> </a:t>
+            </a:r>
+            <a:r>
+              <a:rPr lang="en-US" sz="1800" dirty="0" err="1">
+                <a:latin typeface="Arial" panose="020B0604020202020204" pitchFamily="34" charset="0"/>
+                <a:cs typeface="Arial" panose="020B0604020202020204" pitchFamily="34" charset="0"/>
+              </a:rPr>
+              <a:t>em</a:t>
+            </a:r>
+            <a:r>
+              <a:rPr lang="en-US" sz="1800" dirty="0">
+                <a:latin typeface="Arial" panose="020B0604020202020204" pitchFamily="34" charset="0"/>
+                <a:cs typeface="Arial" panose="020B0604020202020204" pitchFamily="34" charset="0"/>
+              </a:rPr>
+              <a:t> </a:t>
+            </a:r>
+            <a:r>
+              <a:rPr lang="en-US" sz="1800" dirty="0" err="1">
+                <a:latin typeface="Arial" panose="020B0604020202020204" pitchFamily="34" charset="0"/>
+                <a:cs typeface="Arial" panose="020B0604020202020204" pitchFamily="34" charset="0"/>
+              </a:rPr>
+              <a:t>seus</a:t>
+            </a:r>
+            <a:r>
+              <a:rPr lang="en-US" sz="1800" dirty="0">
+                <a:latin typeface="Arial" panose="020B0604020202020204" pitchFamily="34" charset="0"/>
+                <a:cs typeface="Arial" panose="020B0604020202020204" pitchFamily="34" charset="0"/>
+              </a:rPr>
+              <a:t> </a:t>
+            </a:r>
+            <a:r>
+              <a:rPr lang="en-US" sz="1800" dirty="0" err="1">
+                <a:latin typeface="Arial" panose="020B0604020202020204" pitchFamily="34" charset="0"/>
+                <a:cs typeface="Arial" panose="020B0604020202020204" pitchFamily="34" charset="0"/>
+              </a:rPr>
+              <a:t>esudos</a:t>
+            </a:r>
+            <a:endParaRPr lang="en-US" sz="1800" dirty="0">
+              <a:latin typeface="Arial" panose="020B0604020202020204" pitchFamily="34" charset="0"/>
+              <a:cs typeface="Arial" panose="020B0604020202020204" pitchFamily="34" charset="0"/>
+            </a:endParaRPr>
+          </a:p>
+          <a:p>
+            <a:pPr marL="0" indent="0">
+              <a:buNone/>
+            </a:pPr>
+            <a:r>
+              <a:rPr lang="en-US" sz="1800" dirty="0">
+                <a:latin typeface="Arial" panose="020B0604020202020204" pitchFamily="34" charset="0"/>
+                <a:cs typeface="Arial" panose="020B0604020202020204" pitchFamily="34" charset="0"/>
+              </a:rPr>
+              <a:t>-</a:t>
+            </a:r>
+            <a:r>
+              <a:rPr lang="en-US" sz="1800" dirty="0" err="1">
+                <a:latin typeface="Arial" panose="020B0604020202020204" pitchFamily="34" charset="0"/>
+                <a:cs typeface="Arial" panose="020B0604020202020204" pitchFamily="34" charset="0"/>
+              </a:rPr>
+              <a:t>Apresentar</a:t>
+            </a:r>
+            <a:r>
+              <a:rPr lang="en-US" sz="1800" dirty="0">
+                <a:latin typeface="Arial" panose="020B0604020202020204" pitchFamily="34" charset="0"/>
+                <a:cs typeface="Arial" panose="020B0604020202020204" pitchFamily="34" charset="0"/>
+              </a:rPr>
+              <a:t> </a:t>
+            </a:r>
+            <a:r>
+              <a:rPr lang="en-US" sz="1800" dirty="0" err="1">
+                <a:latin typeface="Arial" panose="020B0604020202020204" pitchFamily="34" charset="0"/>
+                <a:cs typeface="Arial" panose="020B0604020202020204" pitchFamily="34" charset="0"/>
+              </a:rPr>
+              <a:t>novos</a:t>
+            </a:r>
+            <a:r>
+              <a:rPr lang="en-US" sz="1800" dirty="0">
+                <a:latin typeface="Arial" panose="020B0604020202020204" pitchFamily="34" charset="0"/>
+                <a:cs typeface="Arial" panose="020B0604020202020204" pitchFamily="34" charset="0"/>
+              </a:rPr>
+              <a:t> </a:t>
+            </a:r>
+            <a:r>
+              <a:rPr lang="en-US" sz="1800" dirty="0" err="1">
+                <a:latin typeface="Arial" panose="020B0604020202020204" pitchFamily="34" charset="0"/>
+                <a:cs typeface="Arial" panose="020B0604020202020204" pitchFamily="34" charset="0"/>
+              </a:rPr>
+              <a:t>metodos</a:t>
+            </a:r>
+            <a:r>
+              <a:rPr lang="en-US" sz="1800" dirty="0">
+                <a:latin typeface="Arial" panose="020B0604020202020204" pitchFamily="34" charset="0"/>
+                <a:cs typeface="Arial" panose="020B0604020202020204" pitchFamily="34" charset="0"/>
+              </a:rPr>
+              <a:t> de </a:t>
+            </a:r>
+            <a:r>
+              <a:rPr lang="en-US" sz="1800" dirty="0" err="1">
+                <a:latin typeface="Arial" panose="020B0604020202020204" pitchFamily="34" charset="0"/>
+                <a:cs typeface="Arial" panose="020B0604020202020204" pitchFamily="34" charset="0"/>
+              </a:rPr>
+              <a:t>estudo</a:t>
+            </a:r>
+            <a:r>
+              <a:rPr lang="en-US" sz="1800" dirty="0">
+                <a:latin typeface="Arial" panose="020B0604020202020204" pitchFamily="34" charset="0"/>
+                <a:cs typeface="Arial" panose="020B0604020202020204" pitchFamily="34" charset="0"/>
+              </a:rPr>
+              <a:t> para o </a:t>
+            </a:r>
+            <a:r>
+              <a:rPr lang="en-US" sz="1800" dirty="0" err="1">
+                <a:latin typeface="Arial" panose="020B0604020202020204" pitchFamily="34" charset="0"/>
+                <a:cs typeface="Arial" panose="020B0604020202020204" pitchFamily="34" charset="0"/>
+              </a:rPr>
+              <a:t>cotidiano</a:t>
+            </a:r>
+            <a:endParaRPr lang="en-US" sz="1800" dirty="0">
+              <a:latin typeface="Arial" panose="020B0604020202020204" pitchFamily="34" charset="0"/>
+              <a:cs typeface="Arial" panose="020B0604020202020204" pitchFamily="34" charset="0"/>
+            </a:endParaRPr>
+          </a:p>
+        </p:txBody>
+      </p:sp>
+      <p:sp>
+        <p:nvSpPr>
+          <p:cNvPr id="4" name="Content Placeholder 2">
+            <a:extLst>
+              <a:ext uri="{FF2B5EF4-FFF2-40B4-BE49-F238E27FC236}">
+                <a16:creationId xmlns:a16="http://schemas.microsoft.com/office/drawing/2014/main" id="{F15BC75B-36ED-4E01-E52A-4CA54039C0B7}"/>
+              </a:ext>
+            </a:extLst>
+          </p:cNvPr>
+          <p:cNvSpPr txBox="1">
+            <a:spLocks/>
+          </p:cNvSpPr>
+          <p:nvPr/>
+        </p:nvSpPr>
+        <p:spPr>
+          <a:xfrm>
+            <a:off x="6720069" y="1848775"/>
+            <a:ext cx="3849547" cy="4351338"/>
+          </a:xfrm>
+          <a:prstGeom prst="rect">
+            <a:avLst/>
+          </a:prstGeom>
+        </p:spPr>
+        <p:txBody>
+          <a:bodyPr vert="horz" lIns="91440" tIns="45720" rIns="91440" bIns="45720" rtlCol="0">
+            <a:normAutofit/>
+          </a:bodyPr>
+          <a:lstStyle>
+            <a:lvl1pPr marL="228600" indent="-228600" algn="l" defTabSz="914400" rtl="0" eaLnBrk="1" latinLnBrk="0" hangingPunct="1">
+              <a:lnSpc>
+                <a:spcPct val="90000"/>
+              </a:lnSpc>
+              <a:spcBef>
+                <a:spcPts val="1000"/>
+              </a:spcBef>
+              <a:buFont typeface="Arial" panose="020B0604020202020204" pitchFamily="34" charset="0"/>
+              <a:buChar char="•"/>
+              <a:defRPr sz="2800" kern="1200">
+                <a:solidFill>
+                  <a:schemeClr val="tx1"/>
+                </a:solidFill>
+                <a:latin typeface="+mn-lt"/>
+                <a:ea typeface="+mn-ea"/>
+                <a:cs typeface="+mn-cs"/>
+              </a:defRPr>
+            </a:lvl1pPr>
+            <a:lvl2pPr marL="685800" indent="-228600" algn="l" defTabSz="914400" rtl="0" eaLnBrk="1" latinLnBrk="0" hangingPunct="1">
+              <a:lnSpc>
+                <a:spcPct val="90000"/>
+              </a:lnSpc>
+              <a:spcBef>
+                <a:spcPts val="500"/>
+              </a:spcBef>
+              <a:buFont typeface="Arial" panose="020B0604020202020204" pitchFamily="34" charset="0"/>
+              <a:buChar char="•"/>
+              <a:defRPr sz="2400" kern="1200">
+                <a:solidFill>
+                  <a:schemeClr val="tx1"/>
+                </a:solidFill>
+                <a:latin typeface="+mn-lt"/>
+                <a:ea typeface="+mn-ea"/>
+                <a:cs typeface="+mn-cs"/>
+              </a:defRPr>
+            </a:lvl2pPr>
+            <a:lvl3pPr marL="1143000" indent="-228600" algn="l" defTabSz="914400" rtl="0" eaLnBrk="1" latinLnBrk="0" hangingPunct="1">
+              <a:lnSpc>
+                <a:spcPct val="90000"/>
+              </a:lnSpc>
+              <a:spcBef>
+                <a:spcPts val="500"/>
+              </a:spcBef>
+              <a:buFont typeface="Arial" panose="020B0604020202020204" pitchFamily="34" charset="0"/>
+              <a:buChar char="•"/>
+              <a:defRPr sz="2000" kern="1200">
+                <a:solidFill>
+                  <a:schemeClr val="tx1"/>
+                </a:solidFill>
+                <a:latin typeface="+mn-lt"/>
+                <a:ea typeface="+mn-ea"/>
+                <a:cs typeface="+mn-cs"/>
+              </a:defRPr>
+            </a:lvl3pPr>
+            <a:lvl4pPr marL="1600200" indent="-228600" algn="l" defTabSz="914400" rtl="0" eaLnBrk="1" latinLnBrk="0" hangingPunct="1">
+              <a:lnSpc>
+                <a:spcPct val="90000"/>
+              </a:lnSpc>
+              <a:spcBef>
+                <a:spcPts val="500"/>
+              </a:spcBef>
+              <a:buFont typeface="Arial" panose="020B0604020202020204" pitchFamily="34" charset="0"/>
+              <a:buChar char="•"/>
+              <a:defRPr sz="1800" kern="1200">
+                <a:solidFill>
+                  <a:schemeClr val="tx1"/>
+                </a:solidFill>
+                <a:latin typeface="+mn-lt"/>
+                <a:ea typeface="+mn-ea"/>
+                <a:cs typeface="+mn-cs"/>
+              </a:defRPr>
+            </a:lvl4pPr>
+            <a:lvl5pPr marL="2057400" indent="-228600" algn="l" defTabSz="914400" rtl="0" eaLnBrk="1" latinLnBrk="0" hangingPunct="1">
+              <a:lnSpc>
+                <a:spcPct val="90000"/>
+              </a:lnSpc>
+              <a:spcBef>
+                <a:spcPts val="500"/>
+              </a:spcBef>
+              <a:buFont typeface="Arial" panose="020B0604020202020204" pitchFamily="34" charset="0"/>
+              <a:buChar char="•"/>
+              <a:defRPr sz="1800" kern="1200">
+                <a:solidFill>
+                  <a:schemeClr val="tx1"/>
+                </a:solidFill>
+                <a:latin typeface="+mn-lt"/>
+                <a:ea typeface="+mn-ea"/>
+                <a:cs typeface="+mn-cs"/>
+              </a:defRPr>
+            </a:lvl5pPr>
+            <a:lvl6pPr marL="2514600" indent="-228600" algn="l" defTabSz="914400" rtl="0" eaLnBrk="1" latinLnBrk="0" hangingPunct="1">
+              <a:lnSpc>
+                <a:spcPct val="90000"/>
+              </a:lnSpc>
+              <a:spcBef>
+                <a:spcPts val="500"/>
+              </a:spcBef>
+              <a:buFont typeface="Arial" panose="020B0604020202020204" pitchFamily="34" charset="0"/>
+              <a:buChar char="•"/>
+              <a:defRPr sz="1800" kern="1200">
+                <a:solidFill>
+                  <a:schemeClr val="tx1"/>
+                </a:solidFill>
+                <a:latin typeface="+mn-lt"/>
+                <a:ea typeface="+mn-ea"/>
+                <a:cs typeface="+mn-cs"/>
+              </a:defRPr>
+            </a:lvl6pPr>
+            <a:lvl7pPr marL="2971800" indent="-228600" algn="l" defTabSz="914400" rtl="0" eaLnBrk="1" latinLnBrk="0" hangingPunct="1">
+              <a:lnSpc>
+                <a:spcPct val="90000"/>
+              </a:lnSpc>
+              <a:spcBef>
+                <a:spcPts val="500"/>
+              </a:spcBef>
+              <a:buFont typeface="Arial" panose="020B0604020202020204" pitchFamily="34" charset="0"/>
+              <a:buChar char="•"/>
+              <a:defRPr sz="1800" kern="1200">
+                <a:solidFill>
+                  <a:schemeClr val="tx1"/>
+                </a:solidFill>
+                <a:latin typeface="+mn-lt"/>
+                <a:ea typeface="+mn-ea"/>
+                <a:cs typeface="+mn-cs"/>
+              </a:defRPr>
+            </a:lvl7pPr>
+            <a:lvl8pPr marL="3429000" indent="-228600" algn="l" defTabSz="914400" rtl="0" eaLnBrk="1" latinLnBrk="0" hangingPunct="1">
+              <a:lnSpc>
+                <a:spcPct val="90000"/>
+              </a:lnSpc>
+              <a:spcBef>
+                <a:spcPts val="500"/>
+              </a:spcBef>
+              <a:buFont typeface="Arial" panose="020B0604020202020204" pitchFamily="34" charset="0"/>
+              <a:buChar char="•"/>
+              <a:defRPr sz="1800" kern="1200">
+                <a:solidFill>
+                  <a:schemeClr val="tx1"/>
+                </a:solidFill>
+                <a:latin typeface="+mn-lt"/>
+                <a:ea typeface="+mn-ea"/>
+                <a:cs typeface="+mn-cs"/>
+              </a:defRPr>
+            </a:lvl8pPr>
+            <a:lvl9pPr marL="3886200" indent="-228600" algn="l" defTabSz="914400" rtl="0" eaLnBrk="1" latinLnBrk="0" hangingPunct="1">
+              <a:lnSpc>
+                <a:spcPct val="90000"/>
+              </a:lnSpc>
+              <a:spcBef>
+                <a:spcPts val="500"/>
+              </a:spcBef>
+              <a:buFont typeface="Arial" panose="020B0604020202020204" pitchFamily="34" charset="0"/>
+              <a:buChar char="•"/>
+              <a:defRPr sz="1800" kern="1200">
+                <a:solidFill>
+                  <a:schemeClr val="tx1"/>
+                </a:solidFill>
+                <a:latin typeface="+mn-lt"/>
+                <a:ea typeface="+mn-ea"/>
+                <a:cs typeface="+mn-cs"/>
+              </a:defRPr>
+            </a:lvl9pPr>
+          </a:lstStyle>
+          <a:p>
+            <a:pPr marL="0" indent="0">
+              <a:buFont typeface="Arial" panose="020B0604020202020204" pitchFamily="34" charset="0"/>
+              <a:buNone/>
+            </a:pPr>
+            <a:r>
+              <a:rPr lang="en-US" sz="1800" dirty="0">
+                <a:latin typeface="Arial" panose="020B0604020202020204" pitchFamily="34" charset="0"/>
+                <a:cs typeface="Arial" panose="020B0604020202020204" pitchFamily="34" charset="0"/>
+              </a:rPr>
+              <a:t>Rela</a:t>
+            </a:r>
+            <a:r>
+              <a:rPr lang="pt-BR" sz="1800" dirty="0">
+                <a:latin typeface="Arial" panose="020B0604020202020204" pitchFamily="34" charset="0"/>
+                <a:cs typeface="Arial" panose="020B0604020202020204" pitchFamily="34" charset="0"/>
+              </a:rPr>
+              <a:t>ção com tema</a:t>
+            </a:r>
+            <a:r>
+              <a:rPr lang="en-US" sz="1800" dirty="0">
+                <a:latin typeface="Arial" panose="020B0604020202020204" pitchFamily="34" charset="0"/>
+                <a:cs typeface="Arial" panose="020B0604020202020204" pitchFamily="34" charset="0"/>
+              </a:rPr>
+              <a:t>:</a:t>
+            </a:r>
+          </a:p>
+          <a:p>
+            <a:pPr marL="0" indent="0">
+              <a:buFont typeface="Arial" panose="020B0604020202020204" pitchFamily="34" charset="0"/>
+              <a:buNone/>
+            </a:pPr>
+            <a:r>
+              <a:rPr lang="en-US" sz="1800" dirty="0">
+                <a:latin typeface="Arial" panose="020B0604020202020204" pitchFamily="34" charset="0"/>
+                <a:cs typeface="Arial" panose="020B0604020202020204" pitchFamily="34" charset="0"/>
+              </a:rPr>
+              <a:t>-</a:t>
+            </a:r>
+            <a:r>
+              <a:rPr lang="en-US" sz="1800" dirty="0" err="1">
+                <a:latin typeface="Arial" panose="020B0604020202020204" pitchFamily="34" charset="0"/>
+                <a:cs typeface="Arial" panose="020B0604020202020204" pitchFamily="34" charset="0"/>
+              </a:rPr>
+              <a:t>Paixão</a:t>
+            </a:r>
+            <a:r>
+              <a:rPr lang="en-US" sz="1800" dirty="0">
+                <a:latin typeface="Arial" panose="020B0604020202020204" pitchFamily="34" charset="0"/>
+                <a:cs typeface="Arial" panose="020B0604020202020204" pitchFamily="34" charset="0"/>
+              </a:rPr>
+              <a:t> </a:t>
+            </a:r>
+            <a:r>
+              <a:rPr lang="en-US" sz="1800" dirty="0" err="1">
+                <a:latin typeface="Arial" panose="020B0604020202020204" pitchFamily="34" charset="0"/>
+                <a:cs typeface="Arial" panose="020B0604020202020204" pitchFamily="34" charset="0"/>
+              </a:rPr>
+              <a:t>pelo</a:t>
+            </a:r>
+            <a:r>
+              <a:rPr lang="en-US" sz="1800" dirty="0">
+                <a:latin typeface="Arial" panose="020B0604020202020204" pitchFamily="34" charset="0"/>
+                <a:cs typeface="Arial" panose="020B0604020202020204" pitchFamily="34" charset="0"/>
+              </a:rPr>
+              <a:t> </a:t>
+            </a:r>
+            <a:r>
+              <a:rPr lang="en-US" sz="1800" dirty="0" err="1">
+                <a:latin typeface="Arial" panose="020B0604020202020204" pitchFamily="34" charset="0"/>
+                <a:cs typeface="Arial" panose="020B0604020202020204" pitchFamily="34" charset="0"/>
+              </a:rPr>
+              <a:t>estudo</a:t>
+            </a:r>
+            <a:r>
+              <a:rPr lang="en-US" sz="1800" dirty="0">
+                <a:latin typeface="Arial" panose="020B0604020202020204" pitchFamily="34" charset="0"/>
+                <a:cs typeface="Arial" panose="020B0604020202020204" pitchFamily="34" charset="0"/>
+              </a:rPr>
+              <a:t> de </a:t>
+            </a:r>
+            <a:r>
+              <a:rPr lang="en-US" sz="1800" dirty="0" err="1">
+                <a:latin typeface="Arial" panose="020B0604020202020204" pitchFamily="34" charset="0"/>
+                <a:cs typeface="Arial" panose="020B0604020202020204" pitchFamily="34" charset="0"/>
+              </a:rPr>
+              <a:t>novos</a:t>
+            </a:r>
+            <a:r>
+              <a:rPr lang="en-US" sz="1800" dirty="0">
+                <a:latin typeface="Arial" panose="020B0604020202020204" pitchFamily="34" charset="0"/>
+                <a:cs typeface="Arial" panose="020B0604020202020204" pitchFamily="34" charset="0"/>
+              </a:rPr>
+              <a:t> </a:t>
+            </a:r>
+            <a:r>
+              <a:rPr lang="en-US" sz="1800" dirty="0" err="1">
+                <a:latin typeface="Arial" panose="020B0604020202020204" pitchFamily="34" charset="0"/>
+                <a:cs typeface="Arial" panose="020B0604020202020204" pitchFamily="34" charset="0"/>
+              </a:rPr>
+              <a:t>idiomas</a:t>
+            </a:r>
+            <a:endParaRPr lang="en-US" sz="1800" dirty="0">
+              <a:latin typeface="Arial" panose="020B0604020202020204" pitchFamily="34" charset="0"/>
+              <a:cs typeface="Arial" panose="020B0604020202020204" pitchFamily="34" charset="0"/>
+            </a:endParaRPr>
+          </a:p>
+          <a:p>
+            <a:pPr marL="0" indent="0">
+              <a:buFont typeface="Arial" panose="020B0604020202020204" pitchFamily="34" charset="0"/>
+              <a:buNone/>
+            </a:pPr>
+            <a:r>
+              <a:rPr lang="en-US" sz="1800" dirty="0">
+                <a:latin typeface="Arial" panose="020B0604020202020204" pitchFamily="34" charset="0"/>
+                <a:cs typeface="Arial" panose="020B0604020202020204" pitchFamily="34" charset="0"/>
+              </a:rPr>
+              <a:t>-</a:t>
+            </a:r>
+            <a:r>
+              <a:rPr lang="en-US" sz="1800" dirty="0" err="1">
+                <a:latin typeface="Arial" panose="020B0604020202020204" pitchFamily="34" charset="0"/>
+                <a:cs typeface="Arial" panose="020B0604020202020204" pitchFamily="34" charset="0"/>
+              </a:rPr>
+              <a:t>Exploração</a:t>
+            </a:r>
+            <a:r>
+              <a:rPr lang="en-US" sz="1800" dirty="0">
+                <a:latin typeface="Arial" panose="020B0604020202020204" pitchFamily="34" charset="0"/>
+                <a:cs typeface="Arial" panose="020B0604020202020204" pitchFamily="34" charset="0"/>
+              </a:rPr>
+              <a:t> de </a:t>
+            </a:r>
+            <a:r>
+              <a:rPr lang="en-US" sz="1800" dirty="0" err="1">
+                <a:latin typeface="Arial" panose="020B0604020202020204" pitchFamily="34" charset="0"/>
+                <a:cs typeface="Arial" panose="020B0604020202020204" pitchFamily="34" charset="0"/>
+              </a:rPr>
+              <a:t>novas</a:t>
+            </a:r>
+            <a:r>
+              <a:rPr lang="en-US" sz="1800" dirty="0">
+                <a:latin typeface="Arial" panose="020B0604020202020204" pitchFamily="34" charset="0"/>
+                <a:cs typeface="Arial" panose="020B0604020202020204" pitchFamily="34" charset="0"/>
+              </a:rPr>
+              <a:t> </a:t>
+            </a:r>
+            <a:r>
+              <a:rPr lang="en-US" sz="1800" dirty="0" err="1">
+                <a:latin typeface="Arial" panose="020B0604020202020204" pitchFamily="34" charset="0"/>
+                <a:cs typeface="Arial" panose="020B0604020202020204" pitchFamily="34" charset="0"/>
+              </a:rPr>
+              <a:t>culturas</a:t>
+            </a:r>
+            <a:endParaRPr lang="en-US" sz="1800" dirty="0">
+              <a:latin typeface="Arial" panose="020B0604020202020204" pitchFamily="34" charset="0"/>
+              <a:cs typeface="Arial" panose="020B0604020202020204" pitchFamily="34" charset="0"/>
+            </a:endParaRPr>
+          </a:p>
+          <a:p>
+            <a:pPr marL="0" indent="0">
+              <a:buFont typeface="Arial" panose="020B0604020202020204" pitchFamily="34" charset="0"/>
+              <a:buNone/>
+            </a:pPr>
+            <a:r>
+              <a:rPr lang="en-US" sz="1800" dirty="0">
+                <a:latin typeface="Arial" panose="020B0604020202020204" pitchFamily="34" charset="0"/>
+                <a:cs typeface="Arial" panose="020B0604020202020204" pitchFamily="34" charset="0"/>
+              </a:rPr>
+              <a:t>-</a:t>
+            </a:r>
+            <a:r>
+              <a:rPr lang="en-US" sz="1800" dirty="0" err="1">
+                <a:latin typeface="Arial" panose="020B0604020202020204" pitchFamily="34" charset="0"/>
+                <a:cs typeface="Arial" panose="020B0604020202020204" pitchFamily="34" charset="0"/>
+              </a:rPr>
+              <a:t>Musicas</a:t>
+            </a:r>
+            <a:endParaRPr lang="en-US" sz="1800" dirty="0">
+              <a:latin typeface="Arial" panose="020B0604020202020204" pitchFamily="34" charset="0"/>
+              <a:cs typeface="Arial" panose="020B0604020202020204" pitchFamily="34" charset="0"/>
+            </a:endParaRPr>
+          </a:p>
+        </p:txBody>
+      </p:sp>
+      <p:sp>
+        <p:nvSpPr>
+          <p:cNvPr id="5" name="Rectangle 4">
+            <a:extLst>
+              <a:ext uri="{FF2B5EF4-FFF2-40B4-BE49-F238E27FC236}">
+                <a16:creationId xmlns:a16="http://schemas.microsoft.com/office/drawing/2014/main" id="{1A2C1154-4260-EC65-8E4C-01109FED828B}"/>
+              </a:ext>
+            </a:extLst>
+          </p:cNvPr>
+          <p:cNvSpPr/>
+          <p:nvPr/>
+        </p:nvSpPr>
+        <p:spPr>
+          <a:xfrm rot="2700000">
+            <a:off x="934734" y="5221194"/>
+            <a:ext cx="1178535" cy="1178535"/>
+          </a:xfrm>
+          <a:prstGeom prst="rect">
+            <a:avLst/>
+          </a:prstGeom>
+          <a:solidFill>
+            <a:schemeClr val="accent2">
+              <a:lumMod val="75000"/>
+            </a:schemeClr>
+          </a:solidFill>
+        </p:spPr>
+        <p:style>
+          <a:lnRef idx="2">
+            <a:schemeClr val="accent1">
+              <a:shade val="50000"/>
+            </a:schemeClr>
+          </a:lnRef>
+          <a:fillRef idx="1">
+            <a:schemeClr val="accent1"/>
+          </a:fillRef>
+          <a:effectRef idx="0">
+            <a:schemeClr val="accent1"/>
+          </a:effectRef>
+          <a:fontRef idx="minor">
+            <a:schemeClr val="lt1"/>
+          </a:fontRef>
+        </p:style>
+        <p:txBody>
+          <a:bodyPr rtlCol="0" anchor="ctr"/>
+          <a:lstStyle/>
+          <a:p>
+            <a:pPr algn="ctr"/>
+            <a:endParaRPr lang="en-US"/>
+          </a:p>
+        </p:txBody>
+      </p:sp>
+    </p:spTree>
+    <p:extLst>
+      <p:ext uri="{BB962C8B-B14F-4D97-AF65-F5344CB8AC3E}">
+        <p14:creationId xmlns:p14="http://schemas.microsoft.com/office/powerpoint/2010/main" val="552364829"/>
+      </p:ext>
+    </p:extLst>
+  </p:cSld>
+  <p:clrMapOvr>
+    <a:masterClrMapping/>
+  </p:clrMapOvr>
+</p:sld>
+</file>
+
+<file path=ppt/slides/slide3.xml><?xml version="1.0" encoding="utf-8"?>
+<p:sld xmlns:a="http://schemas.openxmlformats.org/drawingml/2006/main" xmlns:r="http://schemas.openxmlformats.org/officeDocument/2006/relationships" xmlns:p="http://schemas.openxmlformats.org/presentationml/2006/main">
+  <p:cSld>
+    <p:spTree>
+      <p:nvGrpSpPr>
+        <p:cNvPr id="1" name=""/>
+        <p:cNvGrpSpPr/>
+        <p:nvPr/>
+      </p:nvGrpSpPr>
+      <p:grpSpPr>
+        <a:xfrm>
+          <a:off x="0" y="0"/>
+          <a:ext cx="0" cy="0"/>
+          <a:chOff x="0" y="0"/>
+          <a:chExt cx="0" cy="0"/>
+        </a:xfrm>
+      </p:grpSpPr>
+      <p:sp>
+        <p:nvSpPr>
+          <p:cNvPr id="6" name="Oval 5">
+            <a:extLst>
+              <a:ext uri="{FF2B5EF4-FFF2-40B4-BE49-F238E27FC236}">
+                <a16:creationId xmlns:a16="http://schemas.microsoft.com/office/drawing/2014/main" id="{26B3FD4C-92D3-5C72-3A96-B546F238F77D}"/>
+              </a:ext>
+            </a:extLst>
+          </p:cNvPr>
+          <p:cNvSpPr/>
+          <p:nvPr/>
+        </p:nvSpPr>
+        <p:spPr>
+          <a:xfrm>
+            <a:off x="10668000" y="286412"/>
+            <a:ext cx="1209556" cy="1209556"/>
+          </a:xfrm>
+          <a:prstGeom prst="ellipse">
+            <a:avLst/>
+          </a:prstGeom>
+          <a:solidFill>
+            <a:schemeClr val="accent6">
+              <a:lumMod val="75000"/>
+            </a:schemeClr>
+          </a:solidFill>
+        </p:spPr>
+        <p:style>
+          <a:lnRef idx="2">
+            <a:schemeClr val="accent1">
+              <a:shade val="50000"/>
+            </a:schemeClr>
+          </a:lnRef>
+          <a:fillRef idx="1">
+            <a:schemeClr val="accent1"/>
+          </a:fillRef>
+          <a:effectRef idx="0">
+            <a:schemeClr val="accent1"/>
+          </a:effectRef>
+          <a:fontRef idx="minor">
+            <a:schemeClr val="lt1"/>
+          </a:fontRef>
+        </p:style>
+        <p:txBody>
+          <a:bodyPr rtlCol="0" anchor="ctr"/>
+          <a:lstStyle/>
+          <a:p>
+            <a:pPr algn="ctr"/>
+            <a:endParaRPr lang="en-US"/>
+          </a:p>
+        </p:txBody>
+      </p:sp>
+      <p:sp>
+        <p:nvSpPr>
+          <p:cNvPr id="2" name="Title 1">
+            <a:extLst>
+              <a:ext uri="{FF2B5EF4-FFF2-40B4-BE49-F238E27FC236}">
+                <a16:creationId xmlns:a16="http://schemas.microsoft.com/office/drawing/2014/main" id="{749CB09F-26AB-0339-34F7-A1E4E6F6EB85}"/>
+              </a:ext>
+            </a:extLst>
+          </p:cNvPr>
+          <p:cNvSpPr>
+            <a:spLocks noGrp="1"/>
+          </p:cNvSpPr>
+          <p:nvPr>
+            <p:ph type="title"/>
+          </p:nvPr>
+        </p:nvSpPr>
+        <p:spPr>
+          <a:xfrm>
+            <a:off x="838200" y="365125"/>
+            <a:ext cx="10539714" cy="1325563"/>
+          </a:xfrm>
+        </p:spPr>
+        <p:txBody>
+          <a:bodyPr/>
+          <a:lstStyle/>
+          <a:p>
+            <a:r>
+              <a:rPr lang="pt-BR" dirty="0">
+                <a:latin typeface="Times New Roman" panose="02020603050405020304" pitchFamily="18" charset="0"/>
+                <a:cs typeface="Times New Roman" panose="02020603050405020304" pitchFamily="18" charset="0"/>
+              </a:rPr>
+              <a:t>Trello e Documentação</a:t>
+            </a:r>
+            <a:endParaRPr lang="en-US" dirty="0">
+              <a:latin typeface="Times New Roman" panose="02020603050405020304" pitchFamily="18" charset="0"/>
+              <a:cs typeface="Times New Roman" panose="02020603050405020304" pitchFamily="18" charset="0"/>
+            </a:endParaRPr>
+          </a:p>
+        </p:txBody>
+      </p:sp>
+      <p:sp>
+        <p:nvSpPr>
+          <p:cNvPr id="5" name="Rectangle 4">
+            <a:extLst>
+              <a:ext uri="{FF2B5EF4-FFF2-40B4-BE49-F238E27FC236}">
+                <a16:creationId xmlns:a16="http://schemas.microsoft.com/office/drawing/2014/main" id="{1A2C1154-4260-EC65-8E4C-01109FED828B}"/>
+              </a:ext>
+            </a:extLst>
+          </p:cNvPr>
+          <p:cNvSpPr/>
+          <p:nvPr/>
+        </p:nvSpPr>
+        <p:spPr>
+          <a:xfrm rot="2700000">
+            <a:off x="934734" y="5221194"/>
+            <a:ext cx="1178535" cy="1178535"/>
+          </a:xfrm>
+          <a:prstGeom prst="rect">
+            <a:avLst/>
+          </a:prstGeom>
+          <a:solidFill>
+            <a:schemeClr val="accent2">
+              <a:lumMod val="75000"/>
+            </a:schemeClr>
+          </a:solidFill>
+        </p:spPr>
+        <p:style>
+          <a:lnRef idx="2">
+            <a:schemeClr val="accent1">
+              <a:shade val="50000"/>
+            </a:schemeClr>
+          </a:lnRef>
+          <a:fillRef idx="1">
+            <a:schemeClr val="accent1"/>
+          </a:fillRef>
+          <a:effectRef idx="0">
+            <a:schemeClr val="accent1"/>
+          </a:effectRef>
+          <a:fontRef idx="minor">
+            <a:schemeClr val="lt1"/>
+          </a:fontRef>
+        </p:style>
+        <p:txBody>
+          <a:bodyPr rtlCol="0" anchor="ctr"/>
+          <a:lstStyle/>
+          <a:p>
+            <a:pPr algn="ctr"/>
+            <a:endParaRPr lang="en-US"/>
+          </a:p>
+        </p:txBody>
+      </p:sp>
+      <p:pic>
+        <p:nvPicPr>
+          <p:cNvPr id="10" name="Picture 9">
+            <a:extLst>
+              <a:ext uri="{FF2B5EF4-FFF2-40B4-BE49-F238E27FC236}">
+                <a16:creationId xmlns:a16="http://schemas.microsoft.com/office/drawing/2014/main" id="{4D077452-1AC0-A09A-377A-A4B1F7AAB223}"/>
+              </a:ext>
+            </a:extLst>
+          </p:cNvPr>
+          <p:cNvPicPr>
+            <a:picLocks noChangeAspect="1"/>
+          </p:cNvPicPr>
+          <p:nvPr/>
+        </p:nvPicPr>
+        <p:blipFill>
+          <a:blip r:embed="rId2"/>
+          <a:stretch>
+            <a:fillRect/>
+          </a:stretch>
+        </p:blipFill>
+        <p:spPr>
+          <a:xfrm>
+            <a:off x="1046359" y="1690688"/>
+            <a:ext cx="5049641" cy="2328174"/>
+          </a:xfrm>
+          <a:prstGeom prst="rect">
+            <a:avLst/>
+          </a:prstGeom>
+        </p:spPr>
+      </p:pic>
+      <p:pic>
+        <p:nvPicPr>
+          <p:cNvPr id="12" name="Picture 11">
+            <a:extLst>
+              <a:ext uri="{FF2B5EF4-FFF2-40B4-BE49-F238E27FC236}">
+                <a16:creationId xmlns:a16="http://schemas.microsoft.com/office/drawing/2014/main" id="{BD8CDFF0-4B10-106B-FDB7-1A2DB20902D9}"/>
+              </a:ext>
+            </a:extLst>
+          </p:cNvPr>
+          <p:cNvPicPr>
+            <a:picLocks noChangeAspect="1"/>
+          </p:cNvPicPr>
+          <p:nvPr/>
+        </p:nvPicPr>
+        <p:blipFill>
+          <a:blip r:embed="rId3"/>
+          <a:stretch>
+            <a:fillRect/>
+          </a:stretch>
+        </p:blipFill>
+        <p:spPr>
+          <a:xfrm>
+            <a:off x="6384778" y="3146650"/>
+            <a:ext cx="4760863" cy="2768700"/>
+          </a:xfrm>
+          <a:prstGeom prst="rect">
+            <a:avLst/>
+          </a:prstGeom>
+        </p:spPr>
+      </p:pic>
+    </p:spTree>
+    <p:extLst>
+      <p:ext uri="{BB962C8B-B14F-4D97-AF65-F5344CB8AC3E}">
+        <p14:creationId xmlns:p14="http://schemas.microsoft.com/office/powerpoint/2010/main" val="2948099191"/>
+      </p:ext>
+    </p:extLst>
+  </p:cSld>
+  <p:clrMapOvr>
+    <a:masterClrMapping/>
+  </p:clrMapOvr>
+</p:sld>
+</file>
+
+<file path=ppt/slides/slide4.xml><?xml version="1.0" encoding="utf-8"?>
+<p:sld xmlns:a="http://schemas.openxmlformats.org/drawingml/2006/main" xmlns:r="http://schemas.openxmlformats.org/officeDocument/2006/relationships" xmlns:p="http://schemas.openxmlformats.org/presentationml/2006/main">
+  <p:cSld>
+    <p:spTree>
+      <p:nvGrpSpPr>
+        <p:cNvPr id="1" name=""/>
+        <p:cNvGrpSpPr/>
+        <p:nvPr/>
+      </p:nvGrpSpPr>
+      <p:grpSpPr>
+        <a:xfrm>
+          <a:off x="0" y="0"/>
+          <a:ext cx="0" cy="0"/>
+          <a:chOff x="0" y="0"/>
+          <a:chExt cx="0" cy="0"/>
+        </a:xfrm>
+      </p:grpSpPr>
+      <p:sp>
+        <p:nvSpPr>
+          <p:cNvPr id="6" name="Oval 5">
+            <a:extLst>
+              <a:ext uri="{FF2B5EF4-FFF2-40B4-BE49-F238E27FC236}">
+                <a16:creationId xmlns:a16="http://schemas.microsoft.com/office/drawing/2014/main" id="{26B3FD4C-92D3-5C72-3A96-B546F238F77D}"/>
+              </a:ext>
+            </a:extLst>
+          </p:cNvPr>
+          <p:cNvSpPr/>
+          <p:nvPr/>
+        </p:nvSpPr>
+        <p:spPr>
+          <a:xfrm>
+            <a:off x="10668000" y="286412"/>
+            <a:ext cx="1209556" cy="1209556"/>
+          </a:xfrm>
+          <a:prstGeom prst="ellipse">
+            <a:avLst/>
+          </a:prstGeom>
+          <a:solidFill>
+            <a:schemeClr val="accent6">
+              <a:lumMod val="75000"/>
+            </a:schemeClr>
+          </a:solidFill>
+        </p:spPr>
+        <p:style>
+          <a:lnRef idx="2">
+            <a:schemeClr val="accent1">
+              <a:shade val="50000"/>
+            </a:schemeClr>
+          </a:lnRef>
+          <a:fillRef idx="1">
+            <a:schemeClr val="accent1"/>
+          </a:fillRef>
+          <a:effectRef idx="0">
+            <a:schemeClr val="accent1"/>
+          </a:effectRef>
+          <a:fontRef idx="minor">
+            <a:schemeClr val="lt1"/>
+          </a:fontRef>
+        </p:style>
+        <p:txBody>
+          <a:bodyPr rtlCol="0" anchor="ctr"/>
+          <a:lstStyle/>
+          <a:p>
+            <a:pPr algn="ctr"/>
+            <a:endParaRPr lang="en-US"/>
+          </a:p>
+        </p:txBody>
+      </p:sp>
+      <p:sp>
+        <p:nvSpPr>
+          <p:cNvPr id="2" name="Title 1">
+            <a:extLst>
+              <a:ext uri="{FF2B5EF4-FFF2-40B4-BE49-F238E27FC236}">
+                <a16:creationId xmlns:a16="http://schemas.microsoft.com/office/drawing/2014/main" id="{749CB09F-26AB-0339-34F7-A1E4E6F6EB85}"/>
+              </a:ext>
+            </a:extLst>
+          </p:cNvPr>
+          <p:cNvSpPr>
+            <a:spLocks noGrp="1"/>
+          </p:cNvSpPr>
+          <p:nvPr>
+            <p:ph type="title"/>
+          </p:nvPr>
+        </p:nvSpPr>
+        <p:spPr>
+          <a:xfrm>
+            <a:off x="838200" y="365125"/>
+            <a:ext cx="10539714" cy="1325563"/>
+          </a:xfrm>
+        </p:spPr>
+        <p:txBody>
+          <a:bodyPr/>
+          <a:lstStyle/>
+          <a:p>
+            <a:r>
+              <a:rPr lang="pt-BR" dirty="0">
+                <a:latin typeface="Times New Roman" panose="02020603050405020304" pitchFamily="18" charset="0"/>
+                <a:cs typeface="Times New Roman" panose="02020603050405020304" pitchFamily="18" charset="0"/>
+              </a:rPr>
+              <a:t>Desafios e conquistas</a:t>
+            </a:r>
+            <a:endParaRPr lang="en-US" dirty="0">
+              <a:latin typeface="Times New Roman" panose="02020603050405020304" pitchFamily="18" charset="0"/>
+              <a:cs typeface="Times New Roman" panose="02020603050405020304" pitchFamily="18" charset="0"/>
+            </a:endParaRPr>
+          </a:p>
+        </p:txBody>
+      </p:sp>
+      <p:sp>
+        <p:nvSpPr>
+          <p:cNvPr id="3" name="Content Placeholder 2">
+            <a:extLst>
+              <a:ext uri="{FF2B5EF4-FFF2-40B4-BE49-F238E27FC236}">
+                <a16:creationId xmlns:a16="http://schemas.microsoft.com/office/drawing/2014/main" id="{E2CC9ECA-7626-6553-8EA4-C479C3D68668}"/>
+              </a:ext>
+            </a:extLst>
+          </p:cNvPr>
+          <p:cNvSpPr>
+            <a:spLocks noGrp="1"/>
+          </p:cNvSpPr>
+          <p:nvPr>
+            <p:ph idx="1"/>
+          </p:nvPr>
+        </p:nvSpPr>
+        <p:spPr>
+          <a:xfrm>
+            <a:off x="1622385" y="1825625"/>
+            <a:ext cx="3849547" cy="4351338"/>
+          </a:xfrm>
+        </p:spPr>
+        <p:txBody>
+          <a:bodyPr>
+            <a:normAutofit/>
+          </a:bodyPr>
+          <a:lstStyle/>
+          <a:p>
+            <a:pPr marL="0" indent="0">
+              <a:buNone/>
+            </a:pPr>
+            <a:r>
+              <a:rPr lang="en-US" sz="1800" dirty="0" err="1">
+                <a:latin typeface="Arial" panose="020B0604020202020204" pitchFamily="34" charset="0"/>
+                <a:cs typeface="Arial" panose="020B0604020202020204" pitchFamily="34" charset="0"/>
+              </a:rPr>
+              <a:t>Desafios</a:t>
+            </a:r>
+            <a:r>
+              <a:rPr lang="en-US" sz="1800" dirty="0">
+                <a:latin typeface="Arial" panose="020B0604020202020204" pitchFamily="34" charset="0"/>
+                <a:cs typeface="Arial" panose="020B0604020202020204" pitchFamily="34" charset="0"/>
+              </a:rPr>
+              <a:t>:</a:t>
+            </a:r>
+          </a:p>
+          <a:p>
+            <a:pPr marL="0" indent="0">
+              <a:buNone/>
+            </a:pPr>
+            <a:r>
+              <a:rPr lang="en-US" sz="1800" dirty="0">
+                <a:latin typeface="Arial" panose="020B0604020202020204" pitchFamily="34" charset="0"/>
+                <a:cs typeface="Arial" panose="020B0604020202020204" pitchFamily="34" charset="0"/>
+              </a:rPr>
+              <a:t>-</a:t>
+            </a:r>
+            <a:r>
+              <a:rPr lang="en-US" sz="1800" dirty="0" err="1">
+                <a:latin typeface="Arial" panose="020B0604020202020204" pitchFamily="34" charset="0"/>
+                <a:cs typeface="Arial" panose="020B0604020202020204" pitchFamily="34" charset="0"/>
+              </a:rPr>
+              <a:t>Encontrar</a:t>
+            </a:r>
+            <a:r>
+              <a:rPr lang="en-US" sz="1800" dirty="0">
+                <a:latin typeface="Arial" panose="020B0604020202020204" pitchFamily="34" charset="0"/>
+                <a:cs typeface="Arial" panose="020B0604020202020204" pitchFamily="34" charset="0"/>
+              </a:rPr>
+              <a:t> </a:t>
+            </a:r>
+            <a:r>
+              <a:rPr lang="en-US" sz="1800" dirty="0" err="1">
+                <a:latin typeface="Arial" panose="020B0604020202020204" pitchFamily="34" charset="0"/>
+                <a:cs typeface="Arial" panose="020B0604020202020204" pitchFamily="34" charset="0"/>
+              </a:rPr>
+              <a:t>uma</a:t>
+            </a:r>
+            <a:r>
+              <a:rPr lang="en-US" sz="1800" dirty="0">
+                <a:latin typeface="Arial" panose="020B0604020202020204" pitchFamily="34" charset="0"/>
+                <a:cs typeface="Arial" panose="020B0604020202020204" pitchFamily="34" charset="0"/>
+              </a:rPr>
+              <a:t> </a:t>
+            </a:r>
+            <a:r>
+              <a:rPr lang="en-US" sz="1800" dirty="0" err="1">
+                <a:latin typeface="Arial" panose="020B0604020202020204" pitchFamily="34" charset="0"/>
+                <a:cs typeface="Arial" panose="020B0604020202020204" pitchFamily="34" charset="0"/>
+              </a:rPr>
+              <a:t>identidade</a:t>
+            </a:r>
+            <a:r>
+              <a:rPr lang="en-US" sz="1800" dirty="0">
+                <a:latin typeface="Arial" panose="020B0604020202020204" pitchFamily="34" charset="0"/>
+                <a:cs typeface="Arial" panose="020B0604020202020204" pitchFamily="34" charset="0"/>
+              </a:rPr>
+              <a:t> visual </a:t>
+            </a:r>
+            <a:r>
+              <a:rPr lang="en-US" sz="1800" dirty="0" err="1">
+                <a:latin typeface="Arial" panose="020B0604020202020204" pitchFamily="34" charset="0"/>
+                <a:cs typeface="Arial" panose="020B0604020202020204" pitchFamily="34" charset="0"/>
+              </a:rPr>
+              <a:t>coerente</a:t>
+            </a:r>
+            <a:endParaRPr lang="en-US" sz="1800" dirty="0">
+              <a:latin typeface="Arial" panose="020B0604020202020204" pitchFamily="34" charset="0"/>
+              <a:cs typeface="Arial" panose="020B0604020202020204" pitchFamily="34" charset="0"/>
+            </a:endParaRPr>
+          </a:p>
+          <a:p>
+            <a:pPr marL="0" indent="0">
+              <a:buNone/>
+            </a:pPr>
+            <a:r>
+              <a:rPr lang="en-US" sz="1800" dirty="0">
+                <a:latin typeface="Arial" panose="020B0604020202020204" pitchFamily="34" charset="0"/>
+                <a:cs typeface="Arial" panose="020B0604020202020204" pitchFamily="34" charset="0"/>
+              </a:rPr>
+              <a:t>-</a:t>
+            </a:r>
+            <a:r>
+              <a:rPr lang="en-US" sz="1800" dirty="0" err="1">
+                <a:latin typeface="Arial" panose="020B0604020202020204" pitchFamily="34" charset="0"/>
+                <a:cs typeface="Arial" panose="020B0604020202020204" pitchFamily="34" charset="0"/>
+              </a:rPr>
+              <a:t>Criar</a:t>
+            </a:r>
+            <a:r>
+              <a:rPr lang="en-US" sz="1800" dirty="0">
+                <a:latin typeface="Arial" panose="020B0604020202020204" pitchFamily="34" charset="0"/>
+                <a:cs typeface="Arial" panose="020B0604020202020204" pitchFamily="34" charset="0"/>
+              </a:rPr>
+              <a:t> e </a:t>
+            </a:r>
+            <a:r>
+              <a:rPr lang="en-US" sz="1800" dirty="0" err="1">
+                <a:latin typeface="Arial" panose="020B0604020202020204" pitchFamily="34" charset="0"/>
+                <a:cs typeface="Arial" panose="020B0604020202020204" pitchFamily="34" charset="0"/>
+              </a:rPr>
+              <a:t>ajustar</a:t>
+            </a:r>
+            <a:r>
+              <a:rPr lang="en-US" sz="1800" dirty="0">
+                <a:latin typeface="Arial" panose="020B0604020202020204" pitchFamily="34" charset="0"/>
+                <a:cs typeface="Arial" panose="020B0604020202020204" pitchFamily="34" charset="0"/>
+              </a:rPr>
+              <a:t> </a:t>
+            </a:r>
+            <a:r>
+              <a:rPr lang="en-US" sz="1800" dirty="0" err="1">
+                <a:latin typeface="Arial" panose="020B0604020202020204" pitchFamily="34" charset="0"/>
+                <a:cs typeface="Arial" panose="020B0604020202020204" pitchFamily="34" charset="0"/>
+              </a:rPr>
+              <a:t>os</a:t>
+            </a:r>
+            <a:r>
+              <a:rPr lang="en-US" sz="1800" dirty="0">
+                <a:latin typeface="Arial" panose="020B0604020202020204" pitchFamily="34" charset="0"/>
+                <a:cs typeface="Arial" panose="020B0604020202020204" pitchFamily="34" charset="0"/>
+              </a:rPr>
+              <a:t> </a:t>
+            </a:r>
+            <a:r>
+              <a:rPr lang="en-US" sz="1800" dirty="0" err="1">
+                <a:latin typeface="Arial" panose="020B0604020202020204" pitchFamily="34" charset="0"/>
+                <a:cs typeface="Arial" panose="020B0604020202020204" pitchFamily="34" charset="0"/>
+              </a:rPr>
+              <a:t>caminhos</a:t>
+            </a:r>
+            <a:r>
+              <a:rPr lang="en-US" sz="1800" dirty="0">
+                <a:latin typeface="Arial" panose="020B0604020202020204" pitchFamily="34" charset="0"/>
+                <a:cs typeface="Arial" panose="020B0604020202020204" pitchFamily="34" charset="0"/>
+              </a:rPr>
+              <a:t> de </a:t>
+            </a:r>
+            <a:r>
+              <a:rPr lang="en-US" sz="1800" dirty="0" err="1">
+                <a:latin typeface="Arial" panose="020B0604020202020204" pitchFamily="34" charset="0"/>
+                <a:cs typeface="Arial" panose="020B0604020202020204" pitchFamily="34" charset="0"/>
+              </a:rPr>
+              <a:t>comunicação</a:t>
+            </a:r>
+            <a:r>
+              <a:rPr lang="en-US" sz="1800" dirty="0">
+                <a:latin typeface="Arial" panose="020B0604020202020204" pitchFamily="34" charset="0"/>
+                <a:cs typeface="Arial" panose="020B0604020202020204" pitchFamily="34" charset="0"/>
+              </a:rPr>
+              <a:t> entre API e Banco de Dados</a:t>
+            </a:r>
+          </a:p>
+          <a:p>
+            <a:pPr marL="0" indent="0">
+              <a:buNone/>
+            </a:pPr>
+            <a:r>
+              <a:rPr lang="en-US" sz="1800" dirty="0">
+                <a:latin typeface="Arial" panose="020B0604020202020204" pitchFamily="34" charset="0"/>
+                <a:cs typeface="Arial" panose="020B0604020202020204" pitchFamily="34" charset="0"/>
+              </a:rPr>
+              <a:t>-</a:t>
+            </a:r>
+            <a:r>
+              <a:rPr lang="en-US" sz="1800" dirty="0" err="1">
+                <a:latin typeface="Arial" panose="020B0604020202020204" pitchFamily="34" charset="0"/>
+                <a:cs typeface="Arial" panose="020B0604020202020204" pitchFamily="34" charset="0"/>
+              </a:rPr>
+              <a:t>Definir</a:t>
+            </a:r>
+            <a:r>
+              <a:rPr lang="en-US" sz="1800" dirty="0">
+                <a:latin typeface="Arial" panose="020B0604020202020204" pitchFamily="34" charset="0"/>
+                <a:cs typeface="Arial" panose="020B0604020202020204" pitchFamily="34" charset="0"/>
+              </a:rPr>
+              <a:t> </a:t>
+            </a:r>
+            <a:r>
+              <a:rPr lang="en-US" sz="1800" dirty="0" err="1">
+                <a:latin typeface="Arial" panose="020B0604020202020204" pitchFamily="34" charset="0"/>
+                <a:cs typeface="Arial" panose="020B0604020202020204" pitchFamily="34" charset="0"/>
+              </a:rPr>
+              <a:t>regra</a:t>
+            </a:r>
+            <a:r>
+              <a:rPr lang="en-US" sz="1800" dirty="0">
+                <a:latin typeface="Arial" panose="020B0604020202020204" pitchFamily="34" charset="0"/>
+                <a:cs typeface="Arial" panose="020B0604020202020204" pitchFamily="34" charset="0"/>
+              </a:rPr>
+              <a:t> de </a:t>
+            </a:r>
+            <a:r>
+              <a:rPr lang="en-US" sz="1800" dirty="0" err="1">
+                <a:latin typeface="Arial" panose="020B0604020202020204" pitchFamily="34" charset="0"/>
+                <a:cs typeface="Arial" panose="020B0604020202020204" pitchFamily="34" charset="0"/>
+              </a:rPr>
+              <a:t>negocio</a:t>
+            </a:r>
+            <a:endParaRPr lang="en-US" sz="1800" dirty="0">
+              <a:latin typeface="Arial" panose="020B0604020202020204" pitchFamily="34" charset="0"/>
+              <a:cs typeface="Arial" panose="020B0604020202020204" pitchFamily="34" charset="0"/>
+            </a:endParaRPr>
+          </a:p>
+        </p:txBody>
+      </p:sp>
+      <p:sp>
+        <p:nvSpPr>
+          <p:cNvPr id="5" name="Rectangle 4">
+            <a:extLst>
+              <a:ext uri="{FF2B5EF4-FFF2-40B4-BE49-F238E27FC236}">
+                <a16:creationId xmlns:a16="http://schemas.microsoft.com/office/drawing/2014/main" id="{1A2C1154-4260-EC65-8E4C-01109FED828B}"/>
+              </a:ext>
+            </a:extLst>
+          </p:cNvPr>
+          <p:cNvSpPr/>
+          <p:nvPr/>
+        </p:nvSpPr>
+        <p:spPr>
+          <a:xfrm rot="2700000">
+            <a:off x="934734" y="5221194"/>
+            <a:ext cx="1178535" cy="1178535"/>
+          </a:xfrm>
+          <a:prstGeom prst="rect">
+            <a:avLst/>
+          </a:prstGeom>
+          <a:solidFill>
+            <a:schemeClr val="accent2">
+              <a:lumMod val="75000"/>
+            </a:schemeClr>
+          </a:solidFill>
+        </p:spPr>
+        <p:style>
+          <a:lnRef idx="2">
+            <a:schemeClr val="accent1">
+              <a:shade val="50000"/>
+            </a:schemeClr>
+          </a:lnRef>
+          <a:fillRef idx="1">
+            <a:schemeClr val="accent1"/>
+          </a:fillRef>
+          <a:effectRef idx="0">
+            <a:schemeClr val="accent1"/>
+          </a:effectRef>
+          <a:fontRef idx="minor">
+            <a:schemeClr val="lt1"/>
+          </a:fontRef>
+        </p:style>
+        <p:txBody>
+          <a:bodyPr rtlCol="0" anchor="ctr"/>
+          <a:lstStyle/>
+          <a:p>
+            <a:pPr algn="ctr"/>
+            <a:endParaRPr lang="en-US"/>
+          </a:p>
+        </p:txBody>
+      </p:sp>
+      <p:pic>
+        <p:nvPicPr>
+          <p:cNvPr id="10" name="Picture 9">
+            <a:extLst>
+              <a:ext uri="{FF2B5EF4-FFF2-40B4-BE49-F238E27FC236}">
+                <a16:creationId xmlns:a16="http://schemas.microsoft.com/office/drawing/2014/main" id="{F743CA89-074F-3FC1-5C79-F1704F7B09BF}"/>
+              </a:ext>
+            </a:extLst>
+          </p:cNvPr>
+          <p:cNvPicPr>
+            <a:picLocks noChangeAspect="1"/>
+          </p:cNvPicPr>
+          <p:nvPr/>
+        </p:nvPicPr>
+        <p:blipFill>
+          <a:blip r:embed="rId2"/>
+          <a:stretch>
+            <a:fillRect/>
+          </a:stretch>
+        </p:blipFill>
+        <p:spPr>
+          <a:xfrm flipH="1">
+            <a:off x="5471932" y="2907361"/>
+            <a:ext cx="6161589" cy="3269602"/>
+          </a:xfrm>
+          <a:prstGeom prst="rect">
+            <a:avLst/>
+          </a:prstGeom>
+        </p:spPr>
+      </p:pic>
+    </p:spTree>
+    <p:extLst>
+      <p:ext uri="{BB962C8B-B14F-4D97-AF65-F5344CB8AC3E}">
+        <p14:creationId xmlns:p14="http://schemas.microsoft.com/office/powerpoint/2010/main" val="2449921915"/>
+      </p:ext>
+    </p:extLst>
+  </p:cSld>
+  <p:clrMapOvr>
+    <a:masterClrMapping/>
+  </p:clrMapOvr>
+</p:sld>
+</file>
+
+<file path=ppt/slides/slide5.xml><?xml version="1.0" encoding="utf-8"?>
+<p:sld xmlns:a="http://schemas.openxmlformats.org/drawingml/2006/main" xmlns:r="http://schemas.openxmlformats.org/officeDocument/2006/relationships" xmlns:p="http://schemas.openxmlformats.org/presentationml/2006/main">
+  <p:cSld>
+    <p:spTree>
+      <p:nvGrpSpPr>
+        <p:cNvPr id="1" name=""/>
+        <p:cNvGrpSpPr/>
+        <p:nvPr/>
+      </p:nvGrpSpPr>
+      <p:grpSpPr>
+        <a:xfrm>
+          <a:off x="0" y="0"/>
+          <a:ext cx="0" cy="0"/>
+          <a:chOff x="0" y="0"/>
+          <a:chExt cx="0" cy="0"/>
+        </a:xfrm>
+      </p:grpSpPr>
+      <p:sp>
+        <p:nvSpPr>
+          <p:cNvPr id="6" name="Oval 5">
+            <a:extLst>
+              <a:ext uri="{FF2B5EF4-FFF2-40B4-BE49-F238E27FC236}">
+                <a16:creationId xmlns:a16="http://schemas.microsoft.com/office/drawing/2014/main" id="{26B3FD4C-92D3-5C72-3A96-B546F238F77D}"/>
+              </a:ext>
+            </a:extLst>
+          </p:cNvPr>
+          <p:cNvSpPr/>
+          <p:nvPr/>
+        </p:nvSpPr>
+        <p:spPr>
+          <a:xfrm>
+            <a:off x="10668000" y="286412"/>
+            <a:ext cx="1209556" cy="1209556"/>
+          </a:xfrm>
+          <a:prstGeom prst="ellipse">
+            <a:avLst/>
+          </a:prstGeom>
+          <a:solidFill>
+            <a:schemeClr val="accent6">
+              <a:lumMod val="75000"/>
+            </a:schemeClr>
+          </a:solidFill>
+        </p:spPr>
+        <p:style>
+          <a:lnRef idx="2">
+            <a:schemeClr val="accent1">
+              <a:shade val="50000"/>
+            </a:schemeClr>
+          </a:lnRef>
+          <a:fillRef idx="1">
+            <a:schemeClr val="accent1"/>
+          </a:fillRef>
+          <a:effectRef idx="0">
+            <a:schemeClr val="accent1"/>
+          </a:effectRef>
+          <a:fontRef idx="minor">
+            <a:schemeClr val="lt1"/>
+          </a:fontRef>
+        </p:style>
+        <p:txBody>
+          <a:bodyPr rtlCol="0" anchor="ctr"/>
+          <a:lstStyle/>
+          <a:p>
+            <a:pPr algn="ctr"/>
+            <a:endParaRPr lang="en-US"/>
+          </a:p>
+        </p:txBody>
+      </p:sp>
+      <p:sp>
+        <p:nvSpPr>
+          <p:cNvPr id="2" name="Title 1">
+            <a:extLst>
+              <a:ext uri="{FF2B5EF4-FFF2-40B4-BE49-F238E27FC236}">
+                <a16:creationId xmlns:a16="http://schemas.microsoft.com/office/drawing/2014/main" id="{749CB09F-26AB-0339-34F7-A1E4E6F6EB85}"/>
+              </a:ext>
+            </a:extLst>
+          </p:cNvPr>
+          <p:cNvSpPr>
+            <a:spLocks noGrp="1"/>
+          </p:cNvSpPr>
+          <p:nvPr>
+            <p:ph type="title"/>
+          </p:nvPr>
+        </p:nvSpPr>
+        <p:spPr>
+          <a:xfrm>
+            <a:off x="838200" y="365125"/>
+            <a:ext cx="10539714" cy="1325563"/>
+          </a:xfrm>
+        </p:spPr>
+        <p:txBody>
+          <a:bodyPr/>
+          <a:lstStyle/>
+          <a:p>
+            <a:r>
+              <a:rPr lang="pt-BR" dirty="0">
+                <a:latin typeface="Times New Roman" panose="02020603050405020304" pitchFamily="18" charset="0"/>
+                <a:cs typeface="Times New Roman" panose="02020603050405020304" pitchFamily="18" charset="0"/>
+              </a:rPr>
+              <a:t>Conclusões finais</a:t>
+            </a:r>
+            <a:endParaRPr lang="en-US" dirty="0">
+              <a:latin typeface="Times New Roman" panose="02020603050405020304" pitchFamily="18" charset="0"/>
+              <a:cs typeface="Times New Roman" panose="02020603050405020304" pitchFamily="18" charset="0"/>
+            </a:endParaRPr>
+          </a:p>
+        </p:txBody>
+      </p:sp>
+      <p:sp>
+        <p:nvSpPr>
+          <p:cNvPr id="3" name="Content Placeholder 2">
+            <a:extLst>
+              <a:ext uri="{FF2B5EF4-FFF2-40B4-BE49-F238E27FC236}">
+                <a16:creationId xmlns:a16="http://schemas.microsoft.com/office/drawing/2014/main" id="{E2CC9ECA-7626-6553-8EA4-C479C3D68668}"/>
+              </a:ext>
+            </a:extLst>
+          </p:cNvPr>
+          <p:cNvSpPr>
+            <a:spLocks noGrp="1"/>
+          </p:cNvSpPr>
+          <p:nvPr>
+            <p:ph idx="1"/>
+          </p:nvPr>
+        </p:nvSpPr>
+        <p:spPr>
+          <a:xfrm>
+            <a:off x="1622385" y="1825625"/>
+            <a:ext cx="3849547" cy="4351338"/>
+          </a:xfrm>
+        </p:spPr>
+        <p:txBody>
+          <a:bodyPr>
+            <a:normAutofit/>
+          </a:bodyPr>
+          <a:lstStyle/>
+          <a:p>
+            <a:pPr marL="0" indent="0">
+              <a:buNone/>
+            </a:pPr>
+            <a:r>
+              <a:rPr lang="en-US" sz="1800" dirty="0" err="1">
+                <a:latin typeface="Arial" panose="020B0604020202020204" pitchFamily="34" charset="0"/>
+                <a:cs typeface="Arial" panose="020B0604020202020204" pitchFamily="34" charset="0"/>
+              </a:rPr>
+              <a:t>Oque</a:t>
+            </a:r>
+            <a:r>
+              <a:rPr lang="en-US" sz="1800" dirty="0">
+                <a:latin typeface="Arial" panose="020B0604020202020204" pitchFamily="34" charset="0"/>
+                <a:cs typeface="Arial" panose="020B0604020202020204" pitchFamily="34" charset="0"/>
+              </a:rPr>
+              <a:t> </a:t>
+            </a:r>
+            <a:r>
+              <a:rPr lang="en-US" sz="1800" dirty="0" err="1">
+                <a:latin typeface="Arial" panose="020B0604020202020204" pitchFamily="34" charset="0"/>
+                <a:cs typeface="Arial" panose="020B0604020202020204" pitchFamily="34" charset="0"/>
+              </a:rPr>
+              <a:t>aprendi</a:t>
+            </a:r>
+            <a:r>
+              <a:rPr lang="en-US" sz="1800" dirty="0">
+                <a:latin typeface="Arial" panose="020B0604020202020204" pitchFamily="34" charset="0"/>
+                <a:cs typeface="Arial" panose="020B0604020202020204" pitchFamily="34" charset="0"/>
+              </a:rPr>
+              <a:t> com o </a:t>
+            </a:r>
+            <a:r>
+              <a:rPr lang="en-US" sz="1800" dirty="0" err="1">
+                <a:latin typeface="Arial" panose="020B0604020202020204" pitchFamily="34" charset="0"/>
+                <a:cs typeface="Arial" panose="020B0604020202020204" pitchFamily="34" charset="0"/>
+              </a:rPr>
+              <a:t>projeto</a:t>
+            </a:r>
+            <a:r>
+              <a:rPr lang="en-US" sz="1800" dirty="0">
+                <a:latin typeface="Arial" panose="020B0604020202020204" pitchFamily="34" charset="0"/>
+                <a:cs typeface="Arial" panose="020B0604020202020204" pitchFamily="34" charset="0"/>
+              </a:rPr>
+              <a:t>:</a:t>
+            </a:r>
+          </a:p>
+          <a:p>
+            <a:pPr marL="0" indent="0">
+              <a:buNone/>
+            </a:pPr>
+            <a:r>
+              <a:rPr lang="en-US" sz="1800" dirty="0">
+                <a:latin typeface="Arial" panose="020B0604020202020204" pitchFamily="34" charset="0"/>
+                <a:cs typeface="Arial" panose="020B0604020202020204" pitchFamily="34" charset="0"/>
+              </a:rPr>
+              <a:t>-</a:t>
+            </a:r>
+            <a:r>
+              <a:rPr lang="en-US" sz="1800" dirty="0" err="1">
+                <a:latin typeface="Arial" panose="020B0604020202020204" pitchFamily="34" charset="0"/>
+                <a:cs typeface="Arial" panose="020B0604020202020204" pitchFamily="34" charset="0"/>
+              </a:rPr>
+              <a:t>Entender</a:t>
+            </a:r>
+            <a:r>
+              <a:rPr lang="en-US" sz="1800" dirty="0">
+                <a:latin typeface="Arial" panose="020B0604020202020204" pitchFamily="34" charset="0"/>
+                <a:cs typeface="Arial" panose="020B0604020202020204" pitchFamily="34" charset="0"/>
+              </a:rPr>
+              <a:t> </a:t>
+            </a:r>
+            <a:r>
+              <a:rPr lang="en-US" sz="1800" dirty="0" err="1">
+                <a:latin typeface="Arial" panose="020B0604020202020204" pitchFamily="34" charset="0"/>
+                <a:cs typeface="Arial" panose="020B0604020202020204" pitchFamily="34" charset="0"/>
+              </a:rPr>
+              <a:t>como</a:t>
+            </a:r>
+            <a:r>
+              <a:rPr lang="en-US" sz="1800" dirty="0">
+                <a:latin typeface="Arial" panose="020B0604020202020204" pitchFamily="34" charset="0"/>
+                <a:cs typeface="Arial" panose="020B0604020202020204" pitchFamily="34" charset="0"/>
+              </a:rPr>
+              <a:t> </a:t>
+            </a:r>
+            <a:r>
+              <a:rPr lang="en-US" sz="1800" dirty="0" err="1">
+                <a:latin typeface="Arial" panose="020B0604020202020204" pitchFamily="34" charset="0"/>
+                <a:cs typeface="Arial" panose="020B0604020202020204" pitchFamily="34" charset="0"/>
+              </a:rPr>
+              <a:t>funciona</a:t>
+            </a:r>
+            <a:r>
+              <a:rPr lang="en-US" sz="1800" dirty="0">
+                <a:latin typeface="Arial" panose="020B0604020202020204" pitchFamily="34" charset="0"/>
+                <a:cs typeface="Arial" panose="020B0604020202020204" pitchFamily="34" charset="0"/>
+              </a:rPr>
+              <a:t> </a:t>
+            </a:r>
+            <a:r>
+              <a:rPr lang="en-US" sz="1800" dirty="0" err="1">
+                <a:latin typeface="Arial" panose="020B0604020202020204" pitchFamily="34" charset="0"/>
+                <a:cs typeface="Arial" panose="020B0604020202020204" pitchFamily="34" charset="0"/>
+              </a:rPr>
+              <a:t>uma</a:t>
+            </a:r>
+            <a:r>
+              <a:rPr lang="en-US" sz="1800" dirty="0">
+                <a:latin typeface="Arial" panose="020B0604020202020204" pitchFamily="34" charset="0"/>
+                <a:cs typeface="Arial" panose="020B0604020202020204" pitchFamily="34" charset="0"/>
+              </a:rPr>
+              <a:t> API</a:t>
+            </a:r>
+          </a:p>
+          <a:p>
+            <a:pPr marL="0" indent="0">
+              <a:buNone/>
+            </a:pPr>
+            <a:r>
+              <a:rPr lang="en-US" sz="1800" dirty="0">
+                <a:latin typeface="Arial" panose="020B0604020202020204" pitchFamily="34" charset="0"/>
+                <a:cs typeface="Arial" panose="020B0604020202020204" pitchFamily="34" charset="0"/>
+              </a:rPr>
+              <a:t>-</a:t>
+            </a:r>
+            <a:r>
+              <a:rPr lang="en-US" sz="1800" dirty="0" err="1">
+                <a:latin typeface="Arial" panose="020B0604020202020204" pitchFamily="34" charset="0"/>
+                <a:cs typeface="Arial" panose="020B0604020202020204" pitchFamily="34" charset="0"/>
+              </a:rPr>
+              <a:t>Implementar</a:t>
+            </a:r>
+            <a:r>
+              <a:rPr lang="en-US" sz="1800" dirty="0">
+                <a:latin typeface="Arial" panose="020B0604020202020204" pitchFamily="34" charset="0"/>
+                <a:cs typeface="Arial" panose="020B0604020202020204" pitchFamily="34" charset="0"/>
+              </a:rPr>
+              <a:t> APIs no </a:t>
+            </a:r>
+            <a:r>
+              <a:rPr lang="en-US" sz="1800" dirty="0" err="1">
+                <a:latin typeface="Arial" panose="020B0604020202020204" pitchFamily="34" charset="0"/>
+                <a:cs typeface="Arial" panose="020B0604020202020204" pitchFamily="34" charset="0"/>
+              </a:rPr>
+              <a:t>projeto</a:t>
+            </a:r>
+            <a:endParaRPr lang="en-US" sz="1800" dirty="0">
+              <a:latin typeface="Arial" panose="020B0604020202020204" pitchFamily="34" charset="0"/>
+              <a:cs typeface="Arial" panose="020B0604020202020204" pitchFamily="34" charset="0"/>
+            </a:endParaRPr>
+          </a:p>
+          <a:p>
+            <a:pPr marL="0" indent="0">
+              <a:buNone/>
+            </a:pPr>
+            <a:r>
+              <a:rPr lang="en-US" sz="1800" dirty="0">
+                <a:latin typeface="Arial" panose="020B0604020202020204" pitchFamily="34" charset="0"/>
+                <a:cs typeface="Arial" panose="020B0604020202020204" pitchFamily="34" charset="0"/>
+              </a:rPr>
+              <a:t>-</a:t>
+            </a:r>
+            <a:r>
+              <a:rPr lang="en-US" sz="1800" dirty="0" err="1">
+                <a:latin typeface="Arial" panose="020B0604020202020204" pitchFamily="34" charset="0"/>
+                <a:cs typeface="Arial" panose="020B0604020202020204" pitchFamily="34" charset="0"/>
+              </a:rPr>
+              <a:t>Criar</a:t>
+            </a:r>
+            <a:r>
+              <a:rPr lang="en-US" sz="1800" dirty="0">
+                <a:latin typeface="Arial" panose="020B0604020202020204" pitchFamily="34" charset="0"/>
+                <a:cs typeface="Arial" panose="020B0604020202020204" pitchFamily="34" charset="0"/>
+              </a:rPr>
+              <a:t> </a:t>
+            </a:r>
+            <a:r>
+              <a:rPr lang="en-US" sz="1800" dirty="0" err="1">
+                <a:latin typeface="Arial" panose="020B0604020202020204" pitchFamily="34" charset="0"/>
+                <a:cs typeface="Arial" panose="020B0604020202020204" pitchFamily="34" charset="0"/>
+              </a:rPr>
+              <a:t>relações</a:t>
+            </a:r>
+            <a:r>
+              <a:rPr lang="en-US" sz="1800" dirty="0">
+                <a:latin typeface="Arial" panose="020B0604020202020204" pitchFamily="34" charset="0"/>
+                <a:cs typeface="Arial" panose="020B0604020202020204" pitchFamily="34" charset="0"/>
+              </a:rPr>
+              <a:t> </a:t>
+            </a:r>
+            <a:r>
+              <a:rPr lang="en-US" sz="1800" dirty="0" err="1">
+                <a:latin typeface="Arial" panose="020B0604020202020204" pitchFamily="34" charset="0"/>
+                <a:cs typeface="Arial" panose="020B0604020202020204" pitchFamily="34" charset="0"/>
+              </a:rPr>
+              <a:t>coerentes</a:t>
+            </a:r>
+            <a:r>
+              <a:rPr lang="en-US" sz="1800" dirty="0">
+                <a:latin typeface="Arial" panose="020B0604020202020204" pitchFamily="34" charset="0"/>
+                <a:cs typeface="Arial" panose="020B0604020202020204" pitchFamily="34" charset="0"/>
+              </a:rPr>
+              <a:t> entre banco de dados e web site</a:t>
+            </a:r>
+          </a:p>
+          <a:p>
+            <a:pPr marL="0" indent="0">
+              <a:buNone/>
+            </a:pPr>
+            <a:r>
+              <a:rPr lang="en-US" sz="1800" dirty="0">
+                <a:latin typeface="Arial" panose="020B0604020202020204" pitchFamily="34" charset="0"/>
+                <a:cs typeface="Arial" panose="020B0604020202020204" pitchFamily="34" charset="0"/>
+              </a:rPr>
+              <a:t>-</a:t>
+            </a:r>
+            <a:r>
+              <a:rPr lang="en-US" sz="1800" dirty="0" err="1">
+                <a:latin typeface="Arial" panose="020B0604020202020204" pitchFamily="34" charset="0"/>
+                <a:cs typeface="Arial" panose="020B0604020202020204" pitchFamily="34" charset="0"/>
+              </a:rPr>
+              <a:t>Desenvolvimento</a:t>
+            </a:r>
+            <a:r>
+              <a:rPr lang="en-US" sz="1800" dirty="0">
+                <a:latin typeface="Arial" panose="020B0604020202020204" pitchFamily="34" charset="0"/>
+                <a:cs typeface="Arial" panose="020B0604020202020204" pitchFamily="34" charset="0"/>
+              </a:rPr>
+              <a:t> de </a:t>
+            </a:r>
+            <a:r>
+              <a:rPr lang="en-US" sz="1800" dirty="0" err="1">
+                <a:latin typeface="Arial" panose="020B0604020202020204" pitchFamily="34" charset="0"/>
+                <a:cs typeface="Arial" panose="020B0604020202020204" pitchFamily="34" charset="0"/>
+              </a:rPr>
+              <a:t>projeto</a:t>
+            </a:r>
+            <a:r>
+              <a:rPr lang="en-US" sz="1800" dirty="0">
+                <a:latin typeface="Arial" panose="020B0604020202020204" pitchFamily="34" charset="0"/>
+                <a:cs typeface="Arial" panose="020B0604020202020204" pitchFamily="34" charset="0"/>
+              </a:rPr>
+              <a:t> full-</a:t>
+            </a:r>
+            <a:r>
+              <a:rPr lang="en-US" sz="1800" dirty="0" err="1">
+                <a:latin typeface="Arial" panose="020B0604020202020204" pitchFamily="34" charset="0"/>
+                <a:cs typeface="Arial" panose="020B0604020202020204" pitchFamily="34" charset="0"/>
+              </a:rPr>
+              <a:t>stach</a:t>
+            </a:r>
+            <a:endParaRPr lang="en-US" sz="1800" dirty="0">
+              <a:latin typeface="Arial" panose="020B0604020202020204" pitchFamily="34" charset="0"/>
+              <a:cs typeface="Arial" panose="020B0604020202020204" pitchFamily="34" charset="0"/>
+            </a:endParaRPr>
+          </a:p>
+        </p:txBody>
+      </p:sp>
+      <p:sp>
+        <p:nvSpPr>
+          <p:cNvPr id="4" name="Content Placeholder 2">
+            <a:extLst>
+              <a:ext uri="{FF2B5EF4-FFF2-40B4-BE49-F238E27FC236}">
+                <a16:creationId xmlns:a16="http://schemas.microsoft.com/office/drawing/2014/main" id="{F15BC75B-36ED-4E01-E52A-4CA54039C0B7}"/>
+              </a:ext>
+            </a:extLst>
+          </p:cNvPr>
+          <p:cNvSpPr txBox="1">
+            <a:spLocks/>
+          </p:cNvSpPr>
+          <p:nvPr/>
+        </p:nvSpPr>
+        <p:spPr>
+          <a:xfrm>
+            <a:off x="6720069" y="1848775"/>
+            <a:ext cx="3849547" cy="4351338"/>
+          </a:xfrm>
+          <a:prstGeom prst="rect">
+            <a:avLst/>
+          </a:prstGeom>
+        </p:spPr>
+        <p:txBody>
+          <a:bodyPr vert="horz" lIns="91440" tIns="45720" rIns="91440" bIns="45720" rtlCol="0">
+            <a:normAutofit/>
+          </a:bodyPr>
+          <a:lstStyle>
+            <a:lvl1pPr marL="228600" indent="-228600" algn="l" defTabSz="914400" rtl="0" eaLnBrk="1" latinLnBrk="0" hangingPunct="1">
+              <a:lnSpc>
+                <a:spcPct val="90000"/>
+              </a:lnSpc>
+              <a:spcBef>
+                <a:spcPts val="1000"/>
+              </a:spcBef>
+              <a:buFont typeface="Arial" panose="020B0604020202020204" pitchFamily="34" charset="0"/>
+              <a:buChar char="•"/>
+              <a:defRPr sz="2800" kern="1200">
+                <a:solidFill>
+                  <a:schemeClr val="tx1"/>
+                </a:solidFill>
+                <a:latin typeface="+mn-lt"/>
+                <a:ea typeface="+mn-ea"/>
+                <a:cs typeface="+mn-cs"/>
+              </a:defRPr>
+            </a:lvl1pPr>
+            <a:lvl2pPr marL="685800" indent="-228600" algn="l" defTabSz="914400" rtl="0" eaLnBrk="1" latinLnBrk="0" hangingPunct="1">
+              <a:lnSpc>
+                <a:spcPct val="90000"/>
+              </a:lnSpc>
+              <a:spcBef>
+                <a:spcPts val="500"/>
+              </a:spcBef>
+              <a:buFont typeface="Arial" panose="020B0604020202020204" pitchFamily="34" charset="0"/>
+              <a:buChar char="•"/>
+              <a:defRPr sz="2400" kern="1200">
+                <a:solidFill>
+                  <a:schemeClr val="tx1"/>
+                </a:solidFill>
+                <a:latin typeface="+mn-lt"/>
+                <a:ea typeface="+mn-ea"/>
+                <a:cs typeface="+mn-cs"/>
+              </a:defRPr>
+            </a:lvl2pPr>
+            <a:lvl3pPr marL="1143000" indent="-228600" algn="l" defTabSz="914400" rtl="0" eaLnBrk="1" latinLnBrk="0" hangingPunct="1">
+              <a:lnSpc>
+                <a:spcPct val="90000"/>
+              </a:lnSpc>
+              <a:spcBef>
+                <a:spcPts val="500"/>
+              </a:spcBef>
+              <a:buFont typeface="Arial" panose="020B0604020202020204" pitchFamily="34" charset="0"/>
+              <a:buChar char="•"/>
+              <a:defRPr sz="2000" kern="1200">
+                <a:solidFill>
+                  <a:schemeClr val="tx1"/>
+                </a:solidFill>
+                <a:latin typeface="+mn-lt"/>
+                <a:ea typeface="+mn-ea"/>
+                <a:cs typeface="+mn-cs"/>
+              </a:defRPr>
+            </a:lvl3pPr>
+            <a:lvl4pPr marL="1600200" indent="-228600" algn="l" defTabSz="914400" rtl="0" eaLnBrk="1" latinLnBrk="0" hangingPunct="1">
+              <a:lnSpc>
+                <a:spcPct val="90000"/>
+              </a:lnSpc>
+              <a:spcBef>
+                <a:spcPts val="500"/>
+              </a:spcBef>
+              <a:buFont typeface="Arial" panose="020B0604020202020204" pitchFamily="34" charset="0"/>
+              <a:buChar char="•"/>
+              <a:defRPr sz="1800" kern="1200">
+                <a:solidFill>
+                  <a:schemeClr val="tx1"/>
+                </a:solidFill>
+                <a:latin typeface="+mn-lt"/>
+                <a:ea typeface="+mn-ea"/>
+                <a:cs typeface="+mn-cs"/>
+              </a:defRPr>
+            </a:lvl4pPr>
+            <a:lvl5pPr marL="2057400" indent="-228600" algn="l" defTabSz="914400" rtl="0" eaLnBrk="1" latinLnBrk="0" hangingPunct="1">
+              <a:lnSpc>
+                <a:spcPct val="90000"/>
+              </a:lnSpc>
+              <a:spcBef>
+                <a:spcPts val="500"/>
+              </a:spcBef>
+              <a:buFont typeface="Arial" panose="020B0604020202020204" pitchFamily="34" charset="0"/>
+              <a:buChar char="•"/>
+              <a:defRPr sz="1800" kern="1200">
+                <a:solidFill>
+                  <a:schemeClr val="tx1"/>
+                </a:solidFill>
+                <a:latin typeface="+mn-lt"/>
+                <a:ea typeface="+mn-ea"/>
+                <a:cs typeface="+mn-cs"/>
+              </a:defRPr>
+            </a:lvl5pPr>
+            <a:lvl6pPr marL="2514600" indent="-228600" algn="l" defTabSz="914400" rtl="0" eaLnBrk="1" latinLnBrk="0" hangingPunct="1">
+              <a:lnSpc>
+                <a:spcPct val="90000"/>
+              </a:lnSpc>
+              <a:spcBef>
+                <a:spcPts val="500"/>
+              </a:spcBef>
+              <a:buFont typeface="Arial" panose="020B0604020202020204" pitchFamily="34" charset="0"/>
+              <a:buChar char="•"/>
+              <a:defRPr sz="1800" kern="1200">
+                <a:solidFill>
+                  <a:schemeClr val="tx1"/>
+                </a:solidFill>
+                <a:latin typeface="+mn-lt"/>
+                <a:ea typeface="+mn-ea"/>
+                <a:cs typeface="+mn-cs"/>
+              </a:defRPr>
+            </a:lvl6pPr>
+            <a:lvl7pPr marL="2971800" indent="-228600" algn="l" defTabSz="914400" rtl="0" eaLnBrk="1" latinLnBrk="0" hangingPunct="1">
+              <a:lnSpc>
+                <a:spcPct val="90000"/>
+              </a:lnSpc>
+              <a:spcBef>
+                <a:spcPts val="500"/>
+              </a:spcBef>
+              <a:buFont typeface="Arial" panose="020B0604020202020204" pitchFamily="34" charset="0"/>
+              <a:buChar char="•"/>
+              <a:defRPr sz="1800" kern="1200">
+                <a:solidFill>
+                  <a:schemeClr val="tx1"/>
+                </a:solidFill>
+                <a:latin typeface="+mn-lt"/>
+                <a:ea typeface="+mn-ea"/>
+                <a:cs typeface="+mn-cs"/>
+              </a:defRPr>
+            </a:lvl7pPr>
+            <a:lvl8pPr marL="3429000" indent="-228600" algn="l" defTabSz="914400" rtl="0" eaLnBrk="1" latinLnBrk="0" hangingPunct="1">
+              <a:lnSpc>
+                <a:spcPct val="90000"/>
+              </a:lnSpc>
+              <a:spcBef>
+                <a:spcPts val="500"/>
+              </a:spcBef>
+              <a:buFont typeface="Arial" panose="020B0604020202020204" pitchFamily="34" charset="0"/>
+              <a:buChar char="•"/>
+              <a:defRPr sz="1800" kern="1200">
+                <a:solidFill>
+                  <a:schemeClr val="tx1"/>
+                </a:solidFill>
+                <a:latin typeface="+mn-lt"/>
+                <a:ea typeface="+mn-ea"/>
+                <a:cs typeface="+mn-cs"/>
+              </a:defRPr>
+            </a:lvl8pPr>
+            <a:lvl9pPr marL="3886200" indent="-228600" algn="l" defTabSz="914400" rtl="0" eaLnBrk="1" latinLnBrk="0" hangingPunct="1">
+              <a:lnSpc>
+                <a:spcPct val="90000"/>
+              </a:lnSpc>
+              <a:spcBef>
+                <a:spcPts val="500"/>
+              </a:spcBef>
+              <a:buFont typeface="Arial" panose="020B0604020202020204" pitchFamily="34" charset="0"/>
+              <a:buChar char="•"/>
+              <a:defRPr sz="1800" kern="1200">
+                <a:solidFill>
+                  <a:schemeClr val="tx1"/>
+                </a:solidFill>
+                <a:latin typeface="+mn-lt"/>
+                <a:ea typeface="+mn-ea"/>
+                <a:cs typeface="+mn-cs"/>
+              </a:defRPr>
+            </a:lvl9pPr>
+          </a:lstStyle>
+          <a:p>
+            <a:pPr marL="0" indent="0">
+              <a:buFont typeface="Arial" panose="020B0604020202020204" pitchFamily="34" charset="0"/>
+              <a:buNone/>
+            </a:pPr>
+            <a:r>
+              <a:rPr lang="pt-BR" sz="1800" dirty="0">
+                <a:latin typeface="Arial" panose="020B0604020202020204" pitchFamily="34" charset="0"/>
+                <a:cs typeface="Arial" panose="020B0604020202020204" pitchFamily="34" charset="0"/>
+              </a:rPr>
+              <a:t>Futuro do projeto</a:t>
+            </a:r>
+            <a:r>
+              <a:rPr lang="en-US" sz="1800" dirty="0">
+                <a:latin typeface="Arial" panose="020B0604020202020204" pitchFamily="34" charset="0"/>
+                <a:cs typeface="Arial" panose="020B0604020202020204" pitchFamily="34" charset="0"/>
+              </a:rPr>
+              <a:t>:</a:t>
+            </a:r>
+          </a:p>
+          <a:p>
+            <a:pPr marL="0" indent="0">
+              <a:buFont typeface="Arial" panose="020B0604020202020204" pitchFamily="34" charset="0"/>
+              <a:buNone/>
+            </a:pPr>
+            <a:r>
+              <a:rPr lang="en-US" sz="1800" dirty="0">
+                <a:latin typeface="Arial" panose="020B0604020202020204" pitchFamily="34" charset="0"/>
+                <a:cs typeface="Arial" panose="020B0604020202020204" pitchFamily="34" charset="0"/>
+              </a:rPr>
+              <a:t>-</a:t>
+            </a:r>
+            <a:r>
+              <a:rPr lang="en-US" sz="1800" dirty="0" err="1">
+                <a:latin typeface="Arial" panose="020B0604020202020204" pitchFamily="34" charset="0"/>
+                <a:cs typeface="Arial" panose="020B0604020202020204" pitchFamily="34" charset="0"/>
+              </a:rPr>
+              <a:t>Gravar</a:t>
+            </a:r>
+            <a:r>
+              <a:rPr lang="en-US" sz="1800" dirty="0">
+                <a:latin typeface="Arial" panose="020B0604020202020204" pitchFamily="34" charset="0"/>
+                <a:cs typeface="Arial" panose="020B0604020202020204" pitchFamily="34" charset="0"/>
+              </a:rPr>
+              <a:t> as video-aulas</a:t>
+            </a:r>
+          </a:p>
+          <a:p>
+            <a:pPr marL="0" indent="0">
+              <a:buFont typeface="Arial" panose="020B0604020202020204" pitchFamily="34" charset="0"/>
+              <a:buNone/>
+            </a:pPr>
+            <a:r>
+              <a:rPr lang="en-US" sz="1800" dirty="0">
+                <a:latin typeface="Arial" panose="020B0604020202020204" pitchFamily="34" charset="0"/>
+                <a:cs typeface="Arial" panose="020B0604020202020204" pitchFamily="34" charset="0"/>
+              </a:rPr>
+              <a:t>-</a:t>
+            </a:r>
+            <a:r>
+              <a:rPr lang="en-US" sz="1800" dirty="0" err="1">
+                <a:latin typeface="Arial" panose="020B0604020202020204" pitchFamily="34" charset="0"/>
+                <a:cs typeface="Arial" panose="020B0604020202020204" pitchFamily="34" charset="0"/>
+              </a:rPr>
+              <a:t>Adição</a:t>
+            </a:r>
+            <a:r>
+              <a:rPr lang="en-US" sz="1800" dirty="0">
+                <a:latin typeface="Arial" panose="020B0604020202020204" pitchFamily="34" charset="0"/>
+                <a:cs typeface="Arial" panose="020B0604020202020204" pitchFamily="34" charset="0"/>
+              </a:rPr>
+              <a:t> de blog e </a:t>
+            </a:r>
+            <a:r>
+              <a:rPr lang="en-US" sz="1800" dirty="0" err="1">
+                <a:latin typeface="Arial" panose="020B0604020202020204" pitchFamily="34" charset="0"/>
+                <a:cs typeface="Arial" panose="020B0604020202020204" pitchFamily="34" charset="0"/>
+              </a:rPr>
+              <a:t>seção</a:t>
+            </a:r>
+            <a:r>
+              <a:rPr lang="en-US" sz="1800" dirty="0">
+                <a:latin typeface="Arial" panose="020B0604020202020204" pitchFamily="34" charset="0"/>
+                <a:cs typeface="Arial" panose="020B0604020202020204" pitchFamily="34" charset="0"/>
+              </a:rPr>
+              <a:t> para </a:t>
+            </a:r>
+            <a:r>
+              <a:rPr lang="en-US" sz="1800" dirty="0" err="1">
+                <a:latin typeface="Arial" panose="020B0604020202020204" pitchFamily="34" charset="0"/>
+                <a:cs typeface="Arial" panose="020B0604020202020204" pitchFamily="34" charset="0"/>
+              </a:rPr>
+              <a:t>interação</a:t>
+            </a:r>
+            <a:r>
+              <a:rPr lang="en-US" sz="1800" dirty="0">
+                <a:latin typeface="Arial" panose="020B0604020202020204" pitchFamily="34" charset="0"/>
+                <a:cs typeface="Arial" panose="020B0604020202020204" pitchFamily="34" charset="0"/>
+              </a:rPr>
+              <a:t> da </a:t>
+            </a:r>
+            <a:r>
+              <a:rPr lang="en-US" sz="1800" dirty="0" err="1">
+                <a:latin typeface="Arial" panose="020B0604020202020204" pitchFamily="34" charset="0"/>
+                <a:cs typeface="Arial" panose="020B0604020202020204" pitchFamily="34" charset="0"/>
+              </a:rPr>
+              <a:t>comunidade</a:t>
+            </a:r>
+            <a:endParaRPr lang="en-US" sz="1800" dirty="0">
+              <a:latin typeface="Arial" panose="020B0604020202020204" pitchFamily="34" charset="0"/>
+              <a:cs typeface="Arial" panose="020B0604020202020204" pitchFamily="34" charset="0"/>
+            </a:endParaRPr>
+          </a:p>
+          <a:p>
+            <a:pPr marL="0" indent="0">
+              <a:buFont typeface="Arial" panose="020B0604020202020204" pitchFamily="34" charset="0"/>
+              <a:buNone/>
+            </a:pPr>
+            <a:r>
+              <a:rPr lang="en-US" sz="1800" dirty="0">
+                <a:latin typeface="Arial" panose="020B0604020202020204" pitchFamily="34" charset="0"/>
+                <a:cs typeface="Arial" panose="020B0604020202020204" pitchFamily="34" charset="0"/>
+              </a:rPr>
+              <a:t>-Teste e </a:t>
+            </a:r>
+            <a:r>
+              <a:rPr lang="en-US" sz="1800" dirty="0" err="1">
+                <a:latin typeface="Arial" panose="020B0604020202020204" pitchFamily="34" charset="0"/>
+                <a:cs typeface="Arial" panose="020B0604020202020204" pitchFamily="34" charset="0"/>
+              </a:rPr>
+              <a:t>aperfeiçoamento</a:t>
+            </a:r>
+            <a:r>
+              <a:rPr lang="en-US" sz="1800" dirty="0">
+                <a:latin typeface="Arial" panose="020B0604020202020204" pitchFamily="34" charset="0"/>
+                <a:cs typeface="Arial" panose="020B0604020202020204" pitchFamily="34" charset="0"/>
+              </a:rPr>
+              <a:t> das </a:t>
+            </a:r>
+            <a:r>
+              <a:rPr lang="en-US" sz="1800" dirty="0" err="1">
+                <a:latin typeface="Arial" panose="020B0604020202020204" pitchFamily="34" charset="0"/>
+                <a:cs typeface="Arial" panose="020B0604020202020204" pitchFamily="34" charset="0"/>
+              </a:rPr>
+              <a:t>tecnicas</a:t>
+            </a:r>
+            <a:r>
+              <a:rPr lang="en-US" sz="1800" dirty="0">
+                <a:latin typeface="Arial" panose="020B0604020202020204" pitchFamily="34" charset="0"/>
+                <a:cs typeface="Arial" panose="020B0604020202020204" pitchFamily="34" charset="0"/>
+              </a:rPr>
+              <a:t> para </a:t>
+            </a:r>
+            <a:r>
+              <a:rPr lang="en-US" sz="1800" dirty="0" err="1">
+                <a:latin typeface="Arial" panose="020B0604020202020204" pitchFamily="34" charset="0"/>
+                <a:cs typeface="Arial" panose="020B0604020202020204" pitchFamily="34" charset="0"/>
+              </a:rPr>
+              <a:t>estudo</a:t>
+            </a:r>
+            <a:endParaRPr lang="en-US" sz="1800" dirty="0">
+              <a:latin typeface="Arial" panose="020B0604020202020204" pitchFamily="34" charset="0"/>
+              <a:cs typeface="Arial" panose="020B0604020202020204" pitchFamily="34" charset="0"/>
+            </a:endParaRPr>
+          </a:p>
+        </p:txBody>
+      </p:sp>
+      <p:sp>
+        <p:nvSpPr>
+          <p:cNvPr id="5" name="Rectangle 4">
+            <a:extLst>
+              <a:ext uri="{FF2B5EF4-FFF2-40B4-BE49-F238E27FC236}">
+                <a16:creationId xmlns:a16="http://schemas.microsoft.com/office/drawing/2014/main" id="{1A2C1154-4260-EC65-8E4C-01109FED828B}"/>
+              </a:ext>
+            </a:extLst>
+          </p:cNvPr>
+          <p:cNvSpPr/>
+          <p:nvPr/>
+        </p:nvSpPr>
+        <p:spPr>
+          <a:xfrm rot="2700000">
+            <a:off x="934734" y="5221194"/>
+            <a:ext cx="1178535" cy="1178535"/>
+          </a:xfrm>
+          <a:prstGeom prst="rect">
+            <a:avLst/>
+          </a:prstGeom>
+          <a:solidFill>
+            <a:schemeClr val="accent2">
+              <a:lumMod val="75000"/>
+            </a:schemeClr>
+          </a:solidFill>
+        </p:spPr>
+        <p:style>
+          <a:lnRef idx="2">
+            <a:schemeClr val="accent1">
+              <a:shade val="50000"/>
+            </a:schemeClr>
+          </a:lnRef>
+          <a:fillRef idx="1">
+            <a:schemeClr val="accent1"/>
+          </a:fillRef>
+          <a:effectRef idx="0">
+            <a:schemeClr val="accent1"/>
+          </a:effectRef>
+          <a:fontRef idx="minor">
+            <a:schemeClr val="lt1"/>
+          </a:fontRef>
+        </p:style>
+        <p:txBody>
+          <a:bodyPr rtlCol="0" anchor="ctr"/>
+          <a:lstStyle/>
+          <a:p>
+            <a:pPr algn="ctr"/>
+            <a:endParaRPr lang="en-US"/>
+          </a:p>
+        </p:txBody>
+      </p:sp>
+    </p:spTree>
+    <p:extLst>
+      <p:ext uri="{BB962C8B-B14F-4D97-AF65-F5344CB8AC3E}">
+        <p14:creationId xmlns:p14="http://schemas.microsoft.com/office/powerpoint/2010/main" val="2178672299"/>
+      </p:ext>
+    </p:extLst>
+  </p:cSld>
+  <p:clrMapOvr>
+    <a:masterClrMapping/>
+  </p:clrMapOvr>
+</p:sld>
+</file>
+
+<file path=ppt/slides/slide6.xml><?xml version="1.0" encoding="utf-8"?>
+<p:sld xmlns:a="http://schemas.openxmlformats.org/drawingml/2006/main" xmlns:r="http://schemas.openxmlformats.org/officeDocument/2006/relationships" xmlns:p="http://schemas.openxmlformats.org/presentationml/2006/main">
+  <p:cSld>
+    <p:spTree>
+      <p:nvGrpSpPr>
+        <p:cNvPr id="1" name=""/>
+        <p:cNvGrpSpPr/>
+        <p:nvPr/>
+      </p:nvGrpSpPr>
+      <p:grpSpPr>
+        <a:xfrm>
+          <a:off x="0" y="0"/>
+          <a:ext cx="0" cy="0"/>
+          <a:chOff x="0" y="0"/>
+          <a:chExt cx="0" cy="0"/>
+        </a:xfrm>
+      </p:grpSpPr>
+      <p:sp>
+        <p:nvSpPr>
+          <p:cNvPr id="6" name="Oval 5">
+            <a:extLst>
+              <a:ext uri="{FF2B5EF4-FFF2-40B4-BE49-F238E27FC236}">
+                <a16:creationId xmlns:a16="http://schemas.microsoft.com/office/drawing/2014/main" id="{26B3FD4C-92D3-5C72-3A96-B546F238F77D}"/>
+              </a:ext>
+            </a:extLst>
+          </p:cNvPr>
+          <p:cNvSpPr/>
+          <p:nvPr/>
+        </p:nvSpPr>
+        <p:spPr>
+          <a:xfrm>
+            <a:off x="10668000" y="286412"/>
+            <a:ext cx="1209556" cy="1209556"/>
+          </a:xfrm>
+          <a:prstGeom prst="ellipse">
+            <a:avLst/>
+          </a:prstGeom>
+          <a:solidFill>
+            <a:schemeClr val="accent6">
+              <a:lumMod val="75000"/>
+            </a:schemeClr>
+          </a:solidFill>
+        </p:spPr>
+        <p:style>
+          <a:lnRef idx="2">
+            <a:schemeClr val="accent1">
+              <a:shade val="50000"/>
+            </a:schemeClr>
+          </a:lnRef>
+          <a:fillRef idx="1">
+            <a:schemeClr val="accent1"/>
+          </a:fillRef>
+          <a:effectRef idx="0">
+            <a:schemeClr val="accent1"/>
+          </a:effectRef>
+          <a:fontRef idx="minor">
+            <a:schemeClr val="lt1"/>
+          </a:fontRef>
+        </p:style>
+        <p:txBody>
+          <a:bodyPr rtlCol="0" anchor="ctr"/>
+          <a:lstStyle/>
+          <a:p>
+            <a:pPr algn="ctr"/>
+            <a:endParaRPr lang="en-US"/>
+          </a:p>
+        </p:txBody>
+      </p:sp>
+      <p:sp>
+        <p:nvSpPr>
+          <p:cNvPr id="2" name="Title 1">
+            <a:extLst>
+              <a:ext uri="{FF2B5EF4-FFF2-40B4-BE49-F238E27FC236}">
+                <a16:creationId xmlns:a16="http://schemas.microsoft.com/office/drawing/2014/main" id="{749CB09F-26AB-0339-34F7-A1E4E6F6EB85}"/>
+              </a:ext>
+            </a:extLst>
+          </p:cNvPr>
+          <p:cNvSpPr>
+            <a:spLocks noGrp="1"/>
+          </p:cNvSpPr>
+          <p:nvPr>
+            <p:ph type="title"/>
+          </p:nvPr>
+        </p:nvSpPr>
+        <p:spPr>
+          <a:xfrm>
+            <a:off x="826143" y="2766218"/>
+            <a:ext cx="10539714" cy="1325563"/>
+          </a:xfrm>
+        </p:spPr>
+        <p:txBody>
+          <a:bodyPr/>
+          <a:lstStyle/>
+          <a:p>
+            <a:pPr algn="ctr"/>
+            <a:r>
+              <a:rPr lang="pt-BR">
+                <a:latin typeface="Times New Roman" panose="02020603050405020304" pitchFamily="18" charset="0"/>
+                <a:cs typeface="Times New Roman" panose="02020603050405020304" pitchFamily="18" charset="0"/>
+              </a:rPr>
+              <a:t>Obrigado pela atenção e até a proxima!</a:t>
+            </a:r>
+            <a:endParaRPr lang="en-US" dirty="0">
+              <a:latin typeface="Times New Roman" panose="02020603050405020304" pitchFamily="18" charset="0"/>
+              <a:cs typeface="Times New Roman" panose="02020603050405020304" pitchFamily="18" charset="0"/>
+            </a:endParaRPr>
+          </a:p>
+        </p:txBody>
+      </p:sp>
+      <p:sp>
+        <p:nvSpPr>
+          <p:cNvPr id="5" name="Rectangle 4">
+            <a:extLst>
+              <a:ext uri="{FF2B5EF4-FFF2-40B4-BE49-F238E27FC236}">
+                <a16:creationId xmlns:a16="http://schemas.microsoft.com/office/drawing/2014/main" id="{1A2C1154-4260-EC65-8E4C-01109FED828B}"/>
+              </a:ext>
+            </a:extLst>
+          </p:cNvPr>
+          <p:cNvSpPr/>
+          <p:nvPr/>
+        </p:nvSpPr>
+        <p:spPr>
+          <a:xfrm rot="2700000">
+            <a:off x="934734" y="5221194"/>
+            <a:ext cx="1178535" cy="1178535"/>
+          </a:xfrm>
+          <a:prstGeom prst="rect">
+            <a:avLst/>
+          </a:prstGeom>
+          <a:solidFill>
+            <a:schemeClr val="accent2">
+              <a:lumMod val="75000"/>
+            </a:schemeClr>
+          </a:solidFill>
+        </p:spPr>
+        <p:style>
+          <a:lnRef idx="2">
+            <a:schemeClr val="accent1">
+              <a:shade val="50000"/>
+            </a:schemeClr>
+          </a:lnRef>
+          <a:fillRef idx="1">
+            <a:schemeClr val="accent1"/>
+          </a:fillRef>
+          <a:effectRef idx="0">
+            <a:schemeClr val="accent1"/>
+          </a:effectRef>
+          <a:fontRef idx="minor">
+            <a:schemeClr val="lt1"/>
+          </a:fontRef>
+        </p:style>
+        <p:txBody>
+          <a:bodyPr rtlCol="0" anchor="ctr"/>
+          <a:lstStyle/>
+          <a:p>
+            <a:pPr algn="ctr"/>
+            <a:endParaRPr lang="en-US"/>
+          </a:p>
+        </p:txBody>
+      </p:sp>
+    </p:spTree>
+    <p:extLst>
+      <p:ext uri="{BB962C8B-B14F-4D97-AF65-F5344CB8AC3E}">
+        <p14:creationId xmlns:p14="http://schemas.microsoft.com/office/powerpoint/2010/main" val="2116470728"/>
       </p:ext>
     </p:extLst>
   </p:cSld>
